--- a/doc/Scala intermediate.pptx
+++ b/doc/Scala intermediate.pptx
@@ -34177,42 +34177,69 @@
           <a:p>
             <a:pPr eaLnBrk="1" hangingPunct="1"/>
             <a:r>
+              <a:rPr lang="sv-SE" dirty="0" err="1"/>
+              <a:t>pattern</a:t>
+            </a:r>
+            <a:r>
+              <a:rPr lang="sv-SE" dirty="0"/>
+              <a:t> </a:t>
+            </a:r>
+            <a:r>
+              <a:rPr lang="sv-SE" dirty="0" err="1"/>
+              <a:t>matching</a:t>
+            </a:r>
+            <a:r>
+              <a:rPr lang="sv-SE" dirty="0"/>
+              <a:t>, dyka djupare</a:t>
+            </a:r>
+          </a:p>
+          <a:p>
+            <a:pPr eaLnBrk="1" hangingPunct="1"/>
+            <a:r>
+              <a:rPr lang="sv-SE" dirty="0" err="1"/>
+              <a:t>actors</a:t>
+            </a:r>
+            <a:r>
+              <a:rPr lang="sv-SE" dirty="0"/>
+              <a:t> och Akka, dyka djupare och </a:t>
+            </a:r>
+            <a:r>
+              <a:rPr lang="sv-SE" dirty="0" smtClean="0"/>
+              <a:t>övning/demo</a:t>
+            </a:r>
+          </a:p>
+          <a:p>
+            <a:pPr eaLnBrk="1" hangingPunct="1"/>
+            <a:endParaRPr lang="sv-SE" dirty="0"/>
+          </a:p>
+          <a:p>
+            <a:pPr eaLnBrk="1" hangingPunct="1"/>
+            <a:r>
               <a:rPr lang="sv-SE" dirty="0" err="1" smtClean="0"/>
               <a:t>collections</a:t>
             </a:r>
             <a:r>
               <a:rPr lang="sv-SE" dirty="0" smtClean="0"/>
-              <a:t> och combinators</a:t>
+              <a:t> </a:t>
+            </a:r>
+            <a:r>
+              <a:rPr lang="sv-SE" dirty="0" smtClean="0"/>
+              <a:t>och combinators</a:t>
             </a:r>
           </a:p>
           <a:p>
             <a:pPr eaLnBrk="1" hangingPunct="1"/>
             <a:r>
               <a:rPr lang="sv-SE" dirty="0" err="1" smtClean="0"/>
-              <a:t>pattern</a:t>
+              <a:t>futures</a:t>
             </a:r>
             <a:r>
               <a:rPr lang="sv-SE" dirty="0" smtClean="0"/>
               <a:t> </a:t>
             </a:r>
             <a:r>
-              <a:rPr lang="sv-SE" dirty="0" err="1" smtClean="0"/>
-              <a:t>matching</a:t>
-            </a:r>
-            <a:r>
               <a:rPr lang="sv-SE" dirty="0" smtClean="0"/>
-              <a:t>, dyka djupare</a:t>
-            </a:r>
-          </a:p>
-          <a:p>
-            <a:pPr eaLnBrk="1" hangingPunct="1"/>
-            <a:r>
-              <a:rPr lang="sv-SE" dirty="0" err="1" smtClean="0"/>
-              <a:t>futures</a:t>
-            </a:r>
-            <a:r>
-              <a:rPr lang="sv-SE" dirty="0" smtClean="0"/>
-              <a:t> och </a:t>
+              <a:t>och </a:t>
             </a:r>
             <a:r>
               <a:rPr lang="sv-SE" dirty="0" err="1" smtClean="0"/>
@@ -34223,19 +34250,12 @@
           <a:p>
             <a:pPr eaLnBrk="1" hangingPunct="1"/>
             <a:r>
-              <a:rPr lang="sv-SE" dirty="0" err="1" smtClean="0"/>
-              <a:t>actors</a:t>
-            </a:r>
-            <a:r>
               <a:rPr lang="sv-SE" dirty="0" smtClean="0"/>
-              <a:t> och Akka, dyka djupare och demo</a:t>
-            </a:r>
-          </a:p>
-          <a:p>
-            <a:pPr eaLnBrk="1" hangingPunct="1"/>
+              <a:t>Scala </a:t>
+            </a:r>
             <a:r>
               <a:rPr lang="sv-SE" dirty="0" smtClean="0"/>
-              <a:t>Scala testning, titta på </a:t>
+              <a:t>testning, titta på </a:t>
             </a:r>
             <a:r>
               <a:rPr lang="sv-SE" dirty="0" err="1" smtClean="0"/>
@@ -34254,30 +34274,11 @@
             <a:pPr eaLnBrk="1" hangingPunct="1"/>
             <a:r>
               <a:rPr lang="sv-SE" dirty="0" smtClean="0"/>
-              <a:t>Simple </a:t>
-            </a:r>
-            <a:r>
-              <a:rPr lang="sv-SE" dirty="0" err="1" smtClean="0"/>
-              <a:t>Build</a:t>
+              <a:t>Style </a:t>
             </a:r>
             <a:r>
               <a:rPr lang="sv-SE" dirty="0" smtClean="0"/>
-              <a:t> </a:t>
-            </a:r>
-            <a:r>
-              <a:rPr lang="sv-SE" dirty="0" err="1" smtClean="0"/>
-              <a:t>Tool</a:t>
-            </a:r>
-            <a:r>
-              <a:rPr lang="sv-SE" dirty="0" smtClean="0"/>
-              <a:t>, SBT</a:t>
-            </a:r>
-          </a:p>
-          <a:p>
-            <a:pPr eaLnBrk="1" hangingPunct="1"/>
-            <a:r>
-              <a:rPr lang="sv-SE" dirty="0" smtClean="0"/>
-              <a:t>Style och praktiskt Scala</a:t>
+              <a:t>och praktiskt Scala</a:t>
             </a:r>
           </a:p>
           <a:p>
@@ -34288,8 +34289,9 @@
             <a:pPr eaLnBrk="1" hangingPunct="1"/>
             <a:r>
               <a:rPr lang="sv-SE" dirty="0" smtClean="0"/>
-              <a:t>annat…</a:t>
-            </a:r>
+              <a:t>Annat om tid finns</a:t>
+            </a:r>
+            <a:endParaRPr lang="sv-SE" dirty="0" smtClean="0"/>
           </a:p>
         </p:txBody>
       </p:sp>

--- a/doc/Scala intermediate.pptx
+++ b/doc/Scala intermediate.pptx
@@ -27710,34 +27710,7 @@
                                           </p:stCondLst>
                                         </p:cTn>
                                         <p:tgtEl>
-                                          <p:spTgt spid="27"/>
-                                        </p:tgtEl>
-                                        <p:attrNameLst>
-                                          <p:attrName>style.visibility</p:attrName>
-                                        </p:attrNameLst>
-                                      </p:cBhvr>
-                                      <p:to>
-                                        <p:strVal val="visible"/>
-                                      </p:to>
-                                    </p:set>
-                                  </p:childTnLst>
-                                </p:cTn>
-                              </p:par>
-                              <p:par>
-                                <p:cTn id="63" presetID="1" presetClass="entr" presetSubtype="0" fill="hold" nodeType="withEffect">
-                                  <p:stCondLst>
-                                    <p:cond delay="0"/>
-                                  </p:stCondLst>
-                                  <p:childTnLst>
-                                    <p:set>
-                                      <p:cBhvr>
-                                        <p:cTn id="64" dur="1" fill="hold">
-                                          <p:stCondLst>
-                                            <p:cond delay="0"/>
-                                          </p:stCondLst>
-                                        </p:cTn>
-                                        <p:tgtEl>
-                                          <p:spTgt spid="30"/>
+                                          <p:spTgt spid="33"/>
                                         </p:tgtEl>
                                         <p:attrNameLst>
                                           <p:attrName>style.visibility</p:attrName>
@@ -27757,19 +27730,46 @@
                     </p:cTn>
                   </p:par>
                   <p:par>
-                    <p:cTn id="65" fill="hold">
+                    <p:cTn id="63" fill="hold">
                       <p:stCondLst>
                         <p:cond delay="indefinite"/>
                       </p:stCondLst>
                       <p:childTnLst>
                         <p:par>
-                          <p:cTn id="66" fill="hold">
+                          <p:cTn id="64" fill="hold">
                             <p:stCondLst>
                               <p:cond delay="0"/>
                             </p:stCondLst>
                             <p:childTnLst>
                               <p:par>
-                                <p:cTn id="67" presetID="1" presetClass="entr" presetSubtype="0" fill="hold" nodeType="clickEffect">
+                                <p:cTn id="65" presetID="1" presetClass="entr" presetSubtype="0" fill="hold" nodeType="clickEffect">
+                                  <p:stCondLst>
+                                    <p:cond delay="0"/>
+                                  </p:stCondLst>
+                                  <p:childTnLst>
+                                    <p:set>
+                                      <p:cBhvr>
+                                        <p:cTn id="66" dur="1" fill="hold">
+                                          <p:stCondLst>
+                                            <p:cond delay="0"/>
+                                          </p:stCondLst>
+                                        </p:cTn>
+                                        <p:tgtEl>
+                                          <p:spTgt spid="27"/>
+                                        </p:tgtEl>
+                                        <p:attrNameLst>
+                                          <p:attrName>style.visibility</p:attrName>
+                                        </p:attrNameLst>
+                                      </p:cBhvr>
+                                      <p:to>
+                                        <p:strVal val="visible"/>
+                                      </p:to>
+                                    </p:set>
+                                  </p:childTnLst>
+                                </p:cTn>
+                              </p:par>
+                              <p:par>
+                                <p:cTn id="67" presetID="1" presetClass="entr" presetSubtype="0" fill="hold" nodeType="withEffect">
                                   <p:stCondLst>
                                     <p:cond delay="0"/>
                                   </p:stCondLst>
@@ -27782,7 +27782,7 @@
                                           </p:stCondLst>
                                         </p:cTn>
                                         <p:tgtEl>
-                                          <p:spTgt spid="33"/>
+                                          <p:spTgt spid="30"/>
                                         </p:tgtEl>
                                         <p:attrNameLst>
                                           <p:attrName>style.visibility</p:attrName>
@@ -34205,7 +34205,7 @@
             </a:r>
             <a:r>
               <a:rPr lang="sv-SE" dirty="0" smtClean="0"/>
-              <a:t>övning/demo</a:t>
+              <a:t>demo</a:t>
             </a:r>
           </a:p>
           <a:p>

--- a/doc/Scala intermediate.pptx
+++ b/doc/Scala intermediate.pptx
@@ -14,10 +14,10 @@
     <p:sldMasterId id="2147483736" r:id="rId10"/>
   </p:sldMasterIdLst>
   <p:notesMasterIdLst>
-    <p:notesMasterId r:id="rId32"/>
+    <p:notesMasterId r:id="rId34"/>
   </p:notesMasterIdLst>
   <p:handoutMasterIdLst>
-    <p:handoutMasterId r:id="rId33"/>
+    <p:handoutMasterId r:id="rId35"/>
   </p:handoutMasterIdLst>
   <p:sldIdLst>
     <p:sldId id="287" r:id="rId11"/>
@@ -41,6 +41,8 @@
     <p:sldId id="306" r:id="rId29"/>
     <p:sldId id="308" r:id="rId30"/>
     <p:sldId id="309" r:id="rId31"/>
+    <p:sldId id="310" r:id="rId32"/>
+    <p:sldId id="311" r:id="rId33"/>
   </p:sldIdLst>
   <p:sldSz cx="9144000" cy="6858000" type="screen4x3"/>
   <p:notesSz cx="6858000" cy="9144000"/>
@@ -2430,6 +2432,220 @@
     <p:extLst>
       <p:ext uri="{BB962C8B-B14F-4D97-AF65-F5344CB8AC3E}">
         <p14:creationId xmlns:p14="http://schemas.microsoft.com/office/powerpoint/2010/main" val="1028595809"/>
+      </p:ext>
+    </p:extLst>
+  </p:cSld>
+  <p:clrMapOvr>
+    <a:masterClrMapping/>
+  </p:clrMapOvr>
+</p:notes>
+</file>
+
+<file path=ppt/notesSlides/notesSlide22.xml><?xml version="1.0" encoding="utf-8"?>
+<p:notes xmlns:a="http://schemas.openxmlformats.org/drawingml/2006/main" xmlns:r="http://schemas.openxmlformats.org/officeDocument/2006/relationships" xmlns:p="http://schemas.openxmlformats.org/presentationml/2006/main">
+  <p:cSld>
+    <p:spTree>
+      <p:nvGrpSpPr>
+        <p:cNvPr id="1" name=""/>
+        <p:cNvGrpSpPr/>
+        <p:nvPr/>
+      </p:nvGrpSpPr>
+      <p:grpSpPr>
+        <a:xfrm>
+          <a:off x="0" y="0"/>
+          <a:ext cx="0" cy="0"/>
+          <a:chOff x="0" y="0"/>
+          <a:chExt cx="0" cy="0"/>
+        </a:xfrm>
+      </p:grpSpPr>
+      <p:sp>
+        <p:nvSpPr>
+          <p:cNvPr id="57346" name="Slide Image Placeholder 1"/>
+          <p:cNvSpPr>
+            <a:spLocks noGrp="1" noRot="1" noChangeAspect="1" noTextEdit="1"/>
+          </p:cNvSpPr>
+          <p:nvPr>
+            <p:ph type="sldImg"/>
+          </p:nvPr>
+        </p:nvSpPr>
+        <p:spPr bwMode="auto">
+          <a:noFill/>
+          <a:ln>
+            <a:solidFill>
+              <a:srgbClr val="000000"/>
+            </a:solidFill>
+            <a:miter lim="800000"/>
+            <a:headEnd/>
+            <a:tailEnd/>
+          </a:ln>
+        </p:spPr>
+      </p:sp>
+      <p:sp>
+        <p:nvSpPr>
+          <p:cNvPr id="57347" name="Notes Placeholder 2"/>
+          <p:cNvSpPr>
+            <a:spLocks noGrp="1"/>
+          </p:cNvSpPr>
+          <p:nvPr>
+            <p:ph type="body" idx="1"/>
+          </p:nvPr>
+        </p:nvSpPr>
+        <p:spPr bwMode="auto">
+          <a:noFill/>
+        </p:spPr>
+        <p:txBody>
+          <a:bodyPr wrap="square" numCol="1" anchor="t" anchorCtr="0" compatLnSpc="1">
+            <a:prstTxWarp prst="textNoShape">
+              <a:avLst/>
+            </a:prstTxWarp>
+          </a:bodyPr>
+          <a:lstStyle/>
+          <a:p>
+            <a:pPr eaLnBrk="1" hangingPunct="1"/>
+            <a:endParaRPr lang="sv-SE" dirty="0" smtClean="0"/>
+          </a:p>
+        </p:txBody>
+      </p:sp>
+      <p:sp>
+        <p:nvSpPr>
+          <p:cNvPr id="4" name="Slide Number Placeholder 3"/>
+          <p:cNvSpPr>
+            <a:spLocks noGrp="1"/>
+          </p:cNvSpPr>
+          <p:nvPr>
+            <p:ph type="sldNum" sz="quarter" idx="5"/>
+          </p:nvPr>
+        </p:nvSpPr>
+        <p:spPr/>
+        <p:txBody>
+          <a:bodyPr/>
+          <a:lstStyle/>
+          <a:p>
+            <a:pPr>
+              <a:defRPr/>
+            </a:pPr>
+            <a:fld id="{B4989E52-1FA0-480D-8FDF-B9D8A54151CE}" type="slidenum">
+              <a:rPr lang="en-US" smtClean="0"/>
+              <a:pPr>
+                <a:defRPr/>
+              </a:pPr>
+              <a:t>22</a:t>
+            </a:fld>
+            <a:endParaRPr lang="en-US"/>
+          </a:p>
+        </p:txBody>
+      </p:sp>
+    </p:spTree>
+    <p:extLst>
+      <p:ext uri="{BB962C8B-B14F-4D97-AF65-F5344CB8AC3E}">
+        <p14:creationId xmlns:p14="http://schemas.microsoft.com/office/powerpoint/2010/main" val="851815658"/>
+      </p:ext>
+    </p:extLst>
+  </p:cSld>
+  <p:clrMapOvr>
+    <a:masterClrMapping/>
+  </p:clrMapOvr>
+</p:notes>
+</file>
+
+<file path=ppt/notesSlides/notesSlide23.xml><?xml version="1.0" encoding="utf-8"?>
+<p:notes xmlns:a="http://schemas.openxmlformats.org/drawingml/2006/main" xmlns:r="http://schemas.openxmlformats.org/officeDocument/2006/relationships" xmlns:p="http://schemas.openxmlformats.org/presentationml/2006/main">
+  <p:cSld>
+    <p:spTree>
+      <p:nvGrpSpPr>
+        <p:cNvPr id="1" name=""/>
+        <p:cNvGrpSpPr/>
+        <p:nvPr/>
+      </p:nvGrpSpPr>
+      <p:grpSpPr>
+        <a:xfrm>
+          <a:off x="0" y="0"/>
+          <a:ext cx="0" cy="0"/>
+          <a:chOff x="0" y="0"/>
+          <a:chExt cx="0" cy="0"/>
+        </a:xfrm>
+      </p:grpSpPr>
+      <p:sp>
+        <p:nvSpPr>
+          <p:cNvPr id="57346" name="Slide Image Placeholder 1"/>
+          <p:cNvSpPr>
+            <a:spLocks noGrp="1" noRot="1" noChangeAspect="1" noTextEdit="1"/>
+          </p:cNvSpPr>
+          <p:nvPr>
+            <p:ph type="sldImg"/>
+          </p:nvPr>
+        </p:nvSpPr>
+        <p:spPr bwMode="auto">
+          <a:noFill/>
+          <a:ln>
+            <a:solidFill>
+              <a:srgbClr val="000000"/>
+            </a:solidFill>
+            <a:miter lim="800000"/>
+            <a:headEnd/>
+            <a:tailEnd/>
+          </a:ln>
+        </p:spPr>
+      </p:sp>
+      <p:sp>
+        <p:nvSpPr>
+          <p:cNvPr id="57347" name="Notes Placeholder 2"/>
+          <p:cNvSpPr>
+            <a:spLocks noGrp="1"/>
+          </p:cNvSpPr>
+          <p:nvPr>
+            <p:ph type="body" idx="1"/>
+          </p:nvPr>
+        </p:nvSpPr>
+        <p:spPr bwMode="auto">
+          <a:noFill/>
+        </p:spPr>
+        <p:txBody>
+          <a:bodyPr wrap="square" numCol="1" anchor="t" anchorCtr="0" compatLnSpc="1">
+            <a:prstTxWarp prst="textNoShape">
+              <a:avLst/>
+            </a:prstTxWarp>
+          </a:bodyPr>
+          <a:lstStyle/>
+          <a:p>
+            <a:pPr eaLnBrk="1" hangingPunct="1"/>
+            <a:endParaRPr lang="sv-SE" dirty="0" smtClean="0"/>
+          </a:p>
+        </p:txBody>
+      </p:sp>
+      <p:sp>
+        <p:nvSpPr>
+          <p:cNvPr id="4" name="Slide Number Placeholder 3"/>
+          <p:cNvSpPr>
+            <a:spLocks noGrp="1"/>
+          </p:cNvSpPr>
+          <p:nvPr>
+            <p:ph type="sldNum" sz="quarter" idx="5"/>
+          </p:nvPr>
+        </p:nvSpPr>
+        <p:spPr/>
+        <p:txBody>
+          <a:bodyPr/>
+          <a:lstStyle/>
+          <a:p>
+            <a:pPr>
+              <a:defRPr/>
+            </a:pPr>
+            <a:fld id="{B4989E52-1FA0-480D-8FDF-B9D8A54151CE}" type="slidenum">
+              <a:rPr lang="en-US" smtClean="0"/>
+              <a:pPr>
+                <a:defRPr/>
+              </a:pPr>
+              <a:t>23</a:t>
+            </a:fld>
+            <a:endParaRPr lang="en-US"/>
+          </a:p>
+        </p:txBody>
+      </p:sp>
+    </p:spTree>
+    <p:extLst>
+      <p:ext uri="{BB962C8B-B14F-4D97-AF65-F5344CB8AC3E}">
+        <p14:creationId xmlns:p14="http://schemas.microsoft.com/office/powerpoint/2010/main" val="1677702437"/>
       </p:ext>
     </p:extLst>
   </p:cSld>
@@ -34043,6 +34259,3190 @@
     <p:extLst>
       <p:ext uri="{BB962C8B-B14F-4D97-AF65-F5344CB8AC3E}">
         <p14:creationId xmlns:p14="http://schemas.microsoft.com/office/powerpoint/2010/main" val="556053801"/>
+      </p:ext>
+    </p:extLst>
+  </p:cSld>
+  <p:clrMapOvr>
+    <a:masterClrMapping/>
+  </p:clrMapOvr>
+  <p:timing>
+    <p:tnLst>
+      <p:par>
+        <p:cTn id="1" dur="indefinite" restart="never" nodeType="tmRoot"/>
+      </p:par>
+    </p:tnLst>
+  </p:timing>
+</p:sld>
+</file>
+
+<file path=ppt/slides/slide22.xml><?xml version="1.0" encoding="utf-8"?>
+<p:sld xmlns:a="http://schemas.openxmlformats.org/drawingml/2006/main" xmlns:r="http://schemas.openxmlformats.org/officeDocument/2006/relationships" xmlns:p="http://schemas.openxmlformats.org/presentationml/2006/main">
+  <p:cSld>
+    <p:spTree>
+      <p:nvGrpSpPr>
+        <p:cNvPr id="1" name=""/>
+        <p:cNvGrpSpPr/>
+        <p:nvPr/>
+      </p:nvGrpSpPr>
+      <p:grpSpPr>
+        <a:xfrm>
+          <a:off x="0" y="0"/>
+          <a:ext cx="0" cy="0"/>
+          <a:chOff x="0" y="0"/>
+          <a:chExt cx="0" cy="0"/>
+        </a:xfrm>
+      </p:grpSpPr>
+      <p:sp>
+        <p:nvSpPr>
+          <p:cNvPr id="38914" name="Title 1"/>
+          <p:cNvSpPr>
+            <a:spLocks noGrp="1"/>
+          </p:cNvSpPr>
+          <p:nvPr>
+            <p:ph type="title"/>
+          </p:nvPr>
+        </p:nvSpPr>
+        <p:spPr/>
+        <p:txBody>
+          <a:bodyPr/>
+          <a:lstStyle/>
+          <a:p>
+            <a:pPr eaLnBrk="1" hangingPunct="1"/>
+            <a:r>
+              <a:rPr lang="sv-SE" dirty="0" smtClean="0"/>
+              <a:t>Scala – </a:t>
+            </a:r>
+            <a:r>
+              <a:rPr lang="sv-SE" dirty="0"/>
+              <a:t>Collections and </a:t>
+            </a:r>
+            <a:r>
+              <a:rPr lang="sv-SE" dirty="0" err="1"/>
+              <a:t>Functional</a:t>
+            </a:r>
+            <a:r>
+              <a:rPr lang="sv-SE" dirty="0"/>
+              <a:t> Combinators</a:t>
+            </a:r>
+            <a:endParaRPr lang="sv-SE" dirty="0" smtClean="0"/>
+          </a:p>
+        </p:txBody>
+      </p:sp>
+      <p:sp>
+        <p:nvSpPr>
+          <p:cNvPr id="38915" name="Content Placeholder 2"/>
+          <p:cNvSpPr>
+            <a:spLocks noGrp="1"/>
+          </p:cNvSpPr>
+          <p:nvPr>
+            <p:ph idx="1"/>
+          </p:nvPr>
+        </p:nvSpPr>
+        <p:spPr>
+          <a:xfrm>
+            <a:off x="395288" y="1073414"/>
+            <a:ext cx="7921625" cy="575394"/>
+          </a:xfrm>
+        </p:spPr>
+        <p:txBody>
+          <a:bodyPr/>
+          <a:lstStyle/>
+          <a:p>
+            <a:pPr marL="0" indent="0" eaLnBrk="1" hangingPunct="1">
+              <a:buNone/>
+            </a:pPr>
+            <a:r>
+              <a:rPr lang="sv-SE" sz="1600" dirty="0" err="1"/>
+              <a:t>git</a:t>
+            </a:r>
+            <a:r>
+              <a:rPr lang="sv-SE" sz="1600" dirty="0"/>
+              <a:t> </a:t>
+            </a:r>
+            <a:r>
+              <a:rPr lang="sv-SE" sz="1600" dirty="0" err="1"/>
+              <a:t>checkout</a:t>
+            </a:r>
+            <a:r>
+              <a:rPr lang="sv-SE" sz="1600" dirty="0"/>
+              <a:t> –f </a:t>
+            </a:r>
+            <a:r>
+              <a:rPr lang="sv-SE" sz="1600" dirty="0" smtClean="0"/>
+              <a:t>step10</a:t>
+            </a:r>
+            <a:endParaRPr lang="sv-SE" sz="1600" dirty="0"/>
+          </a:p>
+          <a:p>
+            <a:pPr marL="0" indent="0" eaLnBrk="1" hangingPunct="1">
+              <a:buNone/>
+            </a:pPr>
+            <a:endParaRPr lang="sv-SE" sz="2000" b="1" dirty="0" smtClean="0"/>
+          </a:p>
+          <a:p>
+            <a:pPr eaLnBrk="1" hangingPunct="1"/>
+            <a:endParaRPr lang="sv-SE" dirty="0" smtClean="0"/>
+          </a:p>
+          <a:p>
+            <a:pPr eaLnBrk="1" hangingPunct="1"/>
+            <a:endParaRPr lang="sv-SE" dirty="0"/>
+          </a:p>
+          <a:p>
+            <a:pPr eaLnBrk="1" hangingPunct="1"/>
+            <a:endParaRPr lang="sv-SE" dirty="0" smtClean="0"/>
+          </a:p>
+        </p:txBody>
+      </p:sp>
+      <p:sp>
+        <p:nvSpPr>
+          <p:cNvPr id="4" name="Slide Number Placeholder 3"/>
+          <p:cNvSpPr>
+            <a:spLocks noGrp="1"/>
+          </p:cNvSpPr>
+          <p:nvPr>
+            <p:ph type="sldNum" sz="quarter" idx="12"/>
+          </p:nvPr>
+        </p:nvSpPr>
+        <p:spPr/>
+        <p:txBody>
+          <a:bodyPr/>
+          <a:lstStyle/>
+          <a:p>
+            <a:pPr>
+              <a:defRPr/>
+            </a:pPr>
+            <a:fld id="{65CF15D9-E3AC-4DA0-9B28-EAA5CCEDB846}" type="slidenum">
+              <a:rPr lang="en-US" smtClean="0"/>
+              <a:pPr>
+                <a:defRPr/>
+              </a:pPr>
+              <a:t>22</a:t>
+            </a:fld>
+            <a:endParaRPr lang="en-US"/>
+          </a:p>
+        </p:txBody>
+      </p:sp>
+      <p:sp>
+        <p:nvSpPr>
+          <p:cNvPr id="7" name="TextBox 6"/>
+          <p:cNvSpPr txBox="1"/>
+          <p:nvPr/>
+        </p:nvSpPr>
+        <p:spPr bwMode="auto">
+          <a:xfrm>
+            <a:off x="395288" y="5697195"/>
+            <a:ext cx="6660740" cy="338554"/>
+          </a:xfrm>
+          <a:prstGeom prst="rect">
+            <a:avLst/>
+          </a:prstGeom>
+          <a:solidFill>
+            <a:schemeClr val="accent2"/>
+          </a:solidFill>
+          <a:ln w="28575">
+            <a:solidFill>
+              <a:schemeClr val="bg1"/>
+            </a:solidFill>
+            <a:miter lim="800000"/>
+            <a:headEnd/>
+            <a:tailEnd/>
+          </a:ln>
+          <a:effectLst>
+            <a:outerShdw blurRad="50800" dist="38100" dir="5400000" algn="t" rotWithShape="0">
+              <a:prstClr val="black">
+                <a:alpha val="40000"/>
+              </a:prstClr>
+            </a:outerShdw>
+          </a:effectLst>
+        </p:spPr>
+        <p:txBody>
+          <a:bodyPr wrap="square" rtlCol="0">
+            <a:spAutoFit/>
+          </a:bodyPr>
+          <a:lstStyle/>
+          <a:p>
+            <a:pPr eaLnBrk="0" hangingPunct="0"/>
+            <a:r>
+              <a:rPr lang="sv-SE" sz="1600" dirty="0" smtClean="0">
+                <a:solidFill>
+                  <a:schemeClr val="bg1"/>
+                </a:solidFill>
+              </a:rPr>
+              <a:t>Fortsätter på nästa sida</a:t>
+            </a:r>
+            <a:endParaRPr lang="sv-SE" sz="1600" dirty="0">
+              <a:solidFill>
+                <a:schemeClr val="bg1"/>
+              </a:solidFill>
+            </a:endParaRPr>
+          </a:p>
+        </p:txBody>
+      </p:sp>
+      <p:sp>
+        <p:nvSpPr>
+          <p:cNvPr id="2" name="Rectangle 1"/>
+          <p:cNvSpPr/>
+          <p:nvPr/>
+        </p:nvSpPr>
+        <p:spPr>
+          <a:xfrm>
+            <a:off x="269268" y="1403712"/>
+            <a:ext cx="8874732" cy="4339650"/>
+          </a:xfrm>
+          <a:prstGeom prst="rect">
+            <a:avLst/>
+          </a:prstGeom>
+        </p:spPr>
+        <p:txBody>
+          <a:bodyPr wrap="square">
+            <a:spAutoFit/>
+          </a:bodyPr>
+          <a:lstStyle/>
+          <a:p>
+            <a:r>
+              <a:rPr lang="sv-SE" sz="1200" b="1" dirty="0" err="1">
+                <a:solidFill>
+                  <a:srgbClr val="008000"/>
+                </a:solidFill>
+                <a:latin typeface="Courier New" panose="02070309020205020404" pitchFamily="49" charset="0"/>
+                <a:cs typeface="Courier New" panose="02070309020205020404" pitchFamily="49" charset="0"/>
+              </a:rPr>
+              <a:t>object</a:t>
+            </a:r>
+            <a:r>
+              <a:rPr lang="sv-SE" sz="1200" b="1" dirty="0">
+                <a:solidFill>
+                  <a:srgbClr val="008000"/>
+                </a:solidFill>
+                <a:latin typeface="Courier New" panose="02070309020205020404" pitchFamily="49" charset="0"/>
+                <a:cs typeface="Courier New" panose="02070309020205020404" pitchFamily="49" charset="0"/>
+              </a:rPr>
+              <a:t> </a:t>
+            </a:r>
+            <a:r>
+              <a:rPr lang="sv-SE" sz="1200" b="1" dirty="0">
+                <a:solidFill>
+                  <a:srgbClr val="0000FF"/>
+                </a:solidFill>
+                <a:latin typeface="Courier New" panose="02070309020205020404" pitchFamily="49" charset="0"/>
+                <a:cs typeface="Courier New" panose="02070309020205020404" pitchFamily="49" charset="0"/>
+              </a:rPr>
+              <a:t>Combinators </a:t>
+            </a:r>
+            <a:r>
+              <a:rPr lang="sv-SE" sz="1200" b="1" dirty="0" err="1">
+                <a:solidFill>
+                  <a:srgbClr val="008000"/>
+                </a:solidFill>
+                <a:latin typeface="Courier New" panose="02070309020205020404" pitchFamily="49" charset="0"/>
+                <a:cs typeface="Courier New" panose="02070309020205020404" pitchFamily="49" charset="0"/>
+              </a:rPr>
+              <a:t>extends</a:t>
+            </a:r>
+            <a:r>
+              <a:rPr lang="sv-SE" sz="1200" b="1" dirty="0">
+                <a:solidFill>
+                  <a:srgbClr val="008000"/>
+                </a:solidFill>
+                <a:latin typeface="Courier New" panose="02070309020205020404" pitchFamily="49" charset="0"/>
+                <a:cs typeface="Courier New" panose="02070309020205020404" pitchFamily="49" charset="0"/>
+              </a:rPr>
+              <a:t> </a:t>
+            </a:r>
+            <a:r>
+              <a:rPr lang="sv-SE" sz="1200" b="1" dirty="0" err="1">
+                <a:solidFill>
+                  <a:srgbClr val="0000FF"/>
+                </a:solidFill>
+                <a:latin typeface="Courier New" panose="02070309020205020404" pitchFamily="49" charset="0"/>
+                <a:cs typeface="Courier New" panose="02070309020205020404" pitchFamily="49" charset="0"/>
+              </a:rPr>
+              <a:t>App</a:t>
+            </a:r>
+            <a:r>
+              <a:rPr lang="sv-SE" sz="1200" b="1" dirty="0">
+                <a:solidFill>
+                  <a:srgbClr val="0000FF"/>
+                </a:solidFill>
+                <a:latin typeface="Courier New" panose="02070309020205020404" pitchFamily="49" charset="0"/>
+                <a:cs typeface="Courier New" panose="02070309020205020404" pitchFamily="49" charset="0"/>
+              </a:rPr>
+              <a:t> </a:t>
+            </a:r>
+            <a:r>
+              <a:rPr lang="sv-SE" sz="1200" b="1" dirty="0">
+                <a:solidFill>
+                  <a:srgbClr val="666666"/>
+                </a:solidFill>
+                <a:latin typeface="Courier New" panose="02070309020205020404" pitchFamily="49" charset="0"/>
+                <a:cs typeface="Courier New" panose="02070309020205020404" pitchFamily="49" charset="0"/>
+              </a:rPr>
+              <a:t>{</a:t>
+            </a:r>
+          </a:p>
+          <a:p>
+            <a:r>
+              <a:rPr lang="en-US" sz="1200" dirty="0">
+                <a:latin typeface="Courier New" panose="02070309020205020404" pitchFamily="49" charset="0"/>
+                <a:cs typeface="Courier New" panose="02070309020205020404" pitchFamily="49" charset="0"/>
+              </a:rPr>
+              <a:t>  </a:t>
+            </a:r>
+            <a:r>
+              <a:rPr lang="en-US" sz="1200" b="1" dirty="0" err="1">
+                <a:solidFill>
+                  <a:srgbClr val="008000"/>
+                </a:solidFill>
+                <a:latin typeface="Courier New" panose="02070309020205020404" pitchFamily="49" charset="0"/>
+                <a:cs typeface="Courier New" panose="02070309020205020404" pitchFamily="49" charset="0"/>
+              </a:rPr>
+              <a:t>val</a:t>
+            </a:r>
+            <a:r>
+              <a:rPr lang="en-US" sz="1200" b="1" dirty="0">
+                <a:solidFill>
+                  <a:srgbClr val="008000"/>
+                </a:solidFill>
+                <a:latin typeface="Courier New" panose="02070309020205020404" pitchFamily="49" charset="0"/>
+                <a:cs typeface="Courier New" panose="02070309020205020404" pitchFamily="49" charset="0"/>
+              </a:rPr>
+              <a:t> numbers = </a:t>
+            </a:r>
+            <a:r>
+              <a:rPr lang="en-US" sz="1200" b="1" dirty="0">
+                <a:solidFill>
+                  <a:srgbClr val="0000FF"/>
+                </a:solidFill>
+                <a:latin typeface="Courier New" panose="02070309020205020404" pitchFamily="49" charset="0"/>
+                <a:cs typeface="Courier New" panose="02070309020205020404" pitchFamily="49" charset="0"/>
+              </a:rPr>
+              <a:t>List</a:t>
+            </a:r>
+            <a:r>
+              <a:rPr lang="en-US" sz="1200" b="1" dirty="0">
+                <a:solidFill>
+                  <a:srgbClr val="666666"/>
+                </a:solidFill>
+                <a:latin typeface="Courier New" panose="02070309020205020404" pitchFamily="49" charset="0"/>
+                <a:cs typeface="Courier New" panose="02070309020205020404" pitchFamily="49" charset="0"/>
+              </a:rPr>
+              <a:t>(1, 2, 3, 4)</a:t>
+            </a:r>
+          </a:p>
+          <a:p>
+            <a:r>
+              <a:rPr lang="sv-SE" sz="1200" dirty="0">
+                <a:latin typeface="Courier New" panose="02070309020205020404" pitchFamily="49" charset="0"/>
+                <a:cs typeface="Courier New" panose="02070309020205020404" pitchFamily="49" charset="0"/>
+              </a:rPr>
+              <a:t>  </a:t>
+            </a:r>
+            <a:r>
+              <a:rPr lang="sv-SE" sz="1200" b="1" dirty="0" err="1">
+                <a:solidFill>
+                  <a:srgbClr val="008000"/>
+                </a:solidFill>
+                <a:latin typeface="Courier New" panose="02070309020205020404" pitchFamily="49" charset="0"/>
+                <a:cs typeface="Courier New" panose="02070309020205020404" pitchFamily="49" charset="0"/>
+              </a:rPr>
+              <a:t>def</a:t>
+            </a:r>
+            <a:r>
+              <a:rPr lang="sv-SE" sz="1200" b="1" dirty="0">
+                <a:solidFill>
+                  <a:srgbClr val="008000"/>
+                </a:solidFill>
+                <a:latin typeface="Courier New" panose="02070309020205020404" pitchFamily="49" charset="0"/>
+                <a:cs typeface="Courier New" panose="02070309020205020404" pitchFamily="49" charset="0"/>
+              </a:rPr>
+              <a:t> </a:t>
+            </a:r>
+            <a:r>
+              <a:rPr lang="sv-SE" sz="1200" b="1" dirty="0" err="1">
+                <a:solidFill>
+                  <a:srgbClr val="008000"/>
+                </a:solidFill>
+                <a:latin typeface="Courier New" panose="02070309020205020404" pitchFamily="49" charset="0"/>
+                <a:cs typeface="Courier New" panose="02070309020205020404" pitchFamily="49" charset="0"/>
+              </a:rPr>
+              <a:t>timesTwo</a:t>
+            </a:r>
+            <a:r>
+              <a:rPr lang="sv-SE" sz="1200" b="1" dirty="0">
+                <a:solidFill>
+                  <a:srgbClr val="666666"/>
+                </a:solidFill>
+                <a:latin typeface="Courier New" panose="02070309020205020404" pitchFamily="49" charset="0"/>
+                <a:cs typeface="Courier New" panose="02070309020205020404" pitchFamily="49" charset="0"/>
+              </a:rPr>
+              <a:t>(i</a:t>
+            </a:r>
+            <a:r>
+              <a:rPr lang="sv-SE" sz="1200" b="1" dirty="0">
+                <a:solidFill>
+                  <a:srgbClr val="008000"/>
+                </a:solidFill>
+                <a:latin typeface="Courier New" panose="02070309020205020404" pitchFamily="49" charset="0"/>
+                <a:cs typeface="Courier New" panose="02070309020205020404" pitchFamily="49" charset="0"/>
+              </a:rPr>
+              <a:t>: </a:t>
+            </a:r>
+            <a:r>
+              <a:rPr lang="sv-SE" sz="1200" b="1" dirty="0" err="1">
+                <a:solidFill>
+                  <a:srgbClr val="B00040"/>
+                </a:solidFill>
+                <a:latin typeface="Courier New" panose="02070309020205020404" pitchFamily="49" charset="0"/>
+                <a:cs typeface="Courier New" panose="02070309020205020404" pitchFamily="49" charset="0"/>
+              </a:rPr>
+              <a:t>Int</a:t>
+            </a:r>
+            <a:r>
+              <a:rPr lang="sv-SE" sz="1200" b="1" dirty="0">
+                <a:solidFill>
+                  <a:srgbClr val="666666"/>
+                </a:solidFill>
+                <a:latin typeface="Courier New" panose="02070309020205020404" pitchFamily="49" charset="0"/>
+                <a:cs typeface="Courier New" panose="02070309020205020404" pitchFamily="49" charset="0"/>
+              </a:rPr>
+              <a:t>)</a:t>
+            </a:r>
+            <a:r>
+              <a:rPr lang="sv-SE" sz="1200" b="1" dirty="0">
+                <a:solidFill>
+                  <a:srgbClr val="008000"/>
+                </a:solidFill>
+                <a:latin typeface="Courier New" panose="02070309020205020404" pitchFamily="49" charset="0"/>
+                <a:cs typeface="Courier New" panose="02070309020205020404" pitchFamily="49" charset="0"/>
+              </a:rPr>
+              <a:t>: </a:t>
+            </a:r>
+            <a:r>
+              <a:rPr lang="sv-SE" sz="1200" b="1" dirty="0" err="1">
+                <a:solidFill>
+                  <a:srgbClr val="B00040"/>
+                </a:solidFill>
+                <a:latin typeface="Courier New" panose="02070309020205020404" pitchFamily="49" charset="0"/>
+                <a:cs typeface="Courier New" panose="02070309020205020404" pitchFamily="49" charset="0"/>
+              </a:rPr>
+              <a:t>Int</a:t>
+            </a:r>
+            <a:r>
+              <a:rPr lang="sv-SE" sz="1200" b="1" dirty="0">
+                <a:solidFill>
+                  <a:srgbClr val="B00040"/>
+                </a:solidFill>
+                <a:latin typeface="Courier New" panose="02070309020205020404" pitchFamily="49" charset="0"/>
+                <a:cs typeface="Courier New" panose="02070309020205020404" pitchFamily="49" charset="0"/>
+              </a:rPr>
+              <a:t> </a:t>
+            </a:r>
+            <a:r>
+              <a:rPr lang="sv-SE" sz="1200" b="1" dirty="0">
+                <a:solidFill>
+                  <a:srgbClr val="666666"/>
+                </a:solidFill>
+                <a:latin typeface="Courier New" panose="02070309020205020404" pitchFamily="49" charset="0"/>
+                <a:cs typeface="Courier New" panose="02070309020205020404" pitchFamily="49" charset="0"/>
+              </a:rPr>
+              <a:t>= i * 2</a:t>
+            </a:r>
+          </a:p>
+          <a:p>
+            <a:r>
+              <a:rPr lang="sv-SE" sz="1200" dirty="0">
+                <a:latin typeface="Courier New" panose="02070309020205020404" pitchFamily="49" charset="0"/>
+                <a:cs typeface="Courier New" panose="02070309020205020404" pitchFamily="49" charset="0"/>
+              </a:rPr>
+              <a:t>  </a:t>
+            </a:r>
+            <a:r>
+              <a:rPr lang="sv-SE" sz="1200" b="1" dirty="0" err="1">
+                <a:solidFill>
+                  <a:srgbClr val="008000"/>
+                </a:solidFill>
+                <a:latin typeface="Courier New" panose="02070309020205020404" pitchFamily="49" charset="0"/>
+                <a:cs typeface="Courier New" panose="02070309020205020404" pitchFamily="49" charset="0"/>
+              </a:rPr>
+              <a:t>def</a:t>
+            </a:r>
+            <a:r>
+              <a:rPr lang="sv-SE" sz="1200" b="1" dirty="0">
+                <a:solidFill>
+                  <a:srgbClr val="008000"/>
+                </a:solidFill>
+                <a:latin typeface="Courier New" panose="02070309020205020404" pitchFamily="49" charset="0"/>
+                <a:cs typeface="Courier New" panose="02070309020205020404" pitchFamily="49" charset="0"/>
+              </a:rPr>
+              <a:t> </a:t>
+            </a:r>
+            <a:r>
+              <a:rPr lang="sv-SE" sz="1200" b="1" dirty="0" err="1">
+                <a:solidFill>
+                  <a:srgbClr val="008000"/>
+                </a:solidFill>
+                <a:latin typeface="Courier New" panose="02070309020205020404" pitchFamily="49" charset="0"/>
+                <a:cs typeface="Courier New" panose="02070309020205020404" pitchFamily="49" charset="0"/>
+              </a:rPr>
+              <a:t>isEven</a:t>
+            </a:r>
+            <a:r>
+              <a:rPr lang="sv-SE" sz="1200" b="1" dirty="0">
+                <a:solidFill>
+                  <a:srgbClr val="666666"/>
+                </a:solidFill>
+                <a:latin typeface="Courier New" panose="02070309020205020404" pitchFamily="49" charset="0"/>
+                <a:cs typeface="Courier New" panose="02070309020205020404" pitchFamily="49" charset="0"/>
+              </a:rPr>
+              <a:t>(i</a:t>
+            </a:r>
+            <a:r>
+              <a:rPr lang="sv-SE" sz="1200" b="1" dirty="0">
+                <a:solidFill>
+                  <a:srgbClr val="008000"/>
+                </a:solidFill>
+                <a:latin typeface="Courier New" panose="02070309020205020404" pitchFamily="49" charset="0"/>
+                <a:cs typeface="Courier New" panose="02070309020205020404" pitchFamily="49" charset="0"/>
+              </a:rPr>
+              <a:t>: </a:t>
+            </a:r>
+            <a:r>
+              <a:rPr lang="sv-SE" sz="1200" b="1" dirty="0" err="1">
+                <a:solidFill>
+                  <a:srgbClr val="B00040"/>
+                </a:solidFill>
+                <a:latin typeface="Courier New" panose="02070309020205020404" pitchFamily="49" charset="0"/>
+                <a:cs typeface="Courier New" panose="02070309020205020404" pitchFamily="49" charset="0"/>
+              </a:rPr>
+              <a:t>Int</a:t>
+            </a:r>
+            <a:r>
+              <a:rPr lang="sv-SE" sz="1200" b="1" dirty="0">
+                <a:solidFill>
+                  <a:srgbClr val="666666"/>
+                </a:solidFill>
+                <a:latin typeface="Courier New" panose="02070309020205020404" pitchFamily="49" charset="0"/>
+                <a:cs typeface="Courier New" panose="02070309020205020404" pitchFamily="49" charset="0"/>
+              </a:rPr>
+              <a:t>)</a:t>
+            </a:r>
+            <a:r>
+              <a:rPr lang="sv-SE" sz="1200" b="1" dirty="0">
+                <a:solidFill>
+                  <a:srgbClr val="008000"/>
+                </a:solidFill>
+                <a:latin typeface="Courier New" panose="02070309020205020404" pitchFamily="49" charset="0"/>
+                <a:cs typeface="Courier New" panose="02070309020205020404" pitchFamily="49" charset="0"/>
+              </a:rPr>
+              <a:t>: </a:t>
+            </a:r>
+            <a:r>
+              <a:rPr lang="sv-SE" sz="1200" b="1" dirty="0" err="1">
+                <a:solidFill>
+                  <a:srgbClr val="B00040"/>
+                </a:solidFill>
+                <a:latin typeface="Courier New" panose="02070309020205020404" pitchFamily="49" charset="0"/>
+                <a:cs typeface="Courier New" panose="02070309020205020404" pitchFamily="49" charset="0"/>
+              </a:rPr>
+              <a:t>Boolean</a:t>
+            </a:r>
+            <a:r>
+              <a:rPr lang="sv-SE" sz="1200" b="1" dirty="0">
+                <a:solidFill>
+                  <a:srgbClr val="B00040"/>
+                </a:solidFill>
+                <a:latin typeface="Courier New" panose="02070309020205020404" pitchFamily="49" charset="0"/>
+                <a:cs typeface="Courier New" panose="02070309020205020404" pitchFamily="49" charset="0"/>
+              </a:rPr>
+              <a:t> </a:t>
+            </a:r>
+            <a:r>
+              <a:rPr lang="sv-SE" sz="1200" b="1" dirty="0">
+                <a:solidFill>
+                  <a:srgbClr val="666666"/>
+                </a:solidFill>
+                <a:latin typeface="Courier New" panose="02070309020205020404" pitchFamily="49" charset="0"/>
+                <a:cs typeface="Courier New" panose="02070309020205020404" pitchFamily="49" charset="0"/>
+              </a:rPr>
+              <a:t>= i % 2 == 0</a:t>
+            </a:r>
+          </a:p>
+          <a:p>
+            <a:endParaRPr lang="sv-SE" sz="1200" dirty="0">
+              <a:latin typeface="Courier New" panose="02070309020205020404" pitchFamily="49" charset="0"/>
+              <a:cs typeface="Courier New" panose="02070309020205020404" pitchFamily="49" charset="0"/>
+            </a:endParaRPr>
+          </a:p>
+          <a:p>
+            <a:r>
+              <a:rPr lang="en-US" sz="1200" dirty="0">
+                <a:latin typeface="Courier New" panose="02070309020205020404" pitchFamily="49" charset="0"/>
+                <a:cs typeface="Courier New" panose="02070309020205020404" pitchFamily="49" charset="0"/>
+              </a:rPr>
+              <a:t>  </a:t>
+            </a:r>
+            <a:r>
+              <a:rPr lang="en-US" sz="1200" i="1" dirty="0">
+                <a:solidFill>
+                  <a:srgbClr val="408080"/>
+                </a:solidFill>
+                <a:latin typeface="Courier New" panose="02070309020205020404" pitchFamily="49" charset="0"/>
+                <a:cs typeface="Courier New" panose="02070309020205020404" pitchFamily="49" charset="0"/>
+              </a:rPr>
+              <a:t>// map, evaluates each element and return a list with the same number of elements</a:t>
+            </a:r>
+          </a:p>
+          <a:p>
+            <a:r>
+              <a:rPr lang="sv-SE" sz="1200" dirty="0">
+                <a:latin typeface="Courier New" panose="02070309020205020404" pitchFamily="49" charset="0"/>
+                <a:cs typeface="Courier New" panose="02070309020205020404" pitchFamily="49" charset="0"/>
+              </a:rPr>
+              <a:t>  </a:t>
+            </a:r>
+            <a:r>
+              <a:rPr lang="sv-SE" sz="1200" dirty="0" err="1">
+                <a:latin typeface="Courier New" panose="02070309020205020404" pitchFamily="49" charset="0"/>
+                <a:cs typeface="Courier New" panose="02070309020205020404" pitchFamily="49" charset="0"/>
+              </a:rPr>
+              <a:t>println</a:t>
+            </a:r>
+            <a:r>
+              <a:rPr lang="sv-SE" sz="1200" dirty="0">
+                <a:solidFill>
+                  <a:srgbClr val="666666"/>
+                </a:solidFill>
+                <a:latin typeface="Courier New" panose="02070309020205020404" pitchFamily="49" charset="0"/>
+                <a:cs typeface="Courier New" panose="02070309020205020404" pitchFamily="49" charset="0"/>
+              </a:rPr>
+              <a:t>(</a:t>
+            </a:r>
+            <a:r>
+              <a:rPr lang="sv-SE" sz="1200" dirty="0">
+                <a:solidFill>
+                  <a:srgbClr val="BA2121"/>
+                </a:solidFill>
+                <a:latin typeface="Courier New" panose="02070309020205020404" pitchFamily="49" charset="0"/>
+                <a:cs typeface="Courier New" panose="02070309020205020404" pitchFamily="49" charset="0"/>
+              </a:rPr>
+              <a:t>"</a:t>
+            </a:r>
+            <a:r>
+              <a:rPr lang="sv-SE" sz="1200" dirty="0" err="1">
+                <a:solidFill>
+                  <a:srgbClr val="BA2121"/>
+                </a:solidFill>
+                <a:latin typeface="Courier New" panose="02070309020205020404" pitchFamily="49" charset="0"/>
+                <a:cs typeface="Courier New" panose="02070309020205020404" pitchFamily="49" charset="0"/>
+              </a:rPr>
+              <a:t>map</a:t>
+            </a:r>
+            <a:r>
+              <a:rPr lang="sv-SE" sz="1200" dirty="0">
+                <a:solidFill>
+                  <a:srgbClr val="BA2121"/>
+                </a:solidFill>
+                <a:latin typeface="Courier New" panose="02070309020205020404" pitchFamily="49" charset="0"/>
+                <a:cs typeface="Courier New" panose="02070309020205020404" pitchFamily="49" charset="0"/>
+              </a:rPr>
+              <a:t>" </a:t>
+            </a:r>
+            <a:r>
+              <a:rPr lang="sv-SE" sz="1200" dirty="0">
+                <a:solidFill>
+                  <a:srgbClr val="666666"/>
+                </a:solidFill>
+                <a:latin typeface="Courier New" panose="02070309020205020404" pitchFamily="49" charset="0"/>
+                <a:cs typeface="Courier New" panose="02070309020205020404" pitchFamily="49" charset="0"/>
+              </a:rPr>
+              <a:t>+ </a:t>
+            </a:r>
+            <a:r>
+              <a:rPr lang="sv-SE" sz="1200" dirty="0" err="1">
+                <a:solidFill>
+                  <a:srgbClr val="666666"/>
+                </a:solidFill>
+                <a:latin typeface="Courier New" panose="02070309020205020404" pitchFamily="49" charset="0"/>
+                <a:cs typeface="Courier New" panose="02070309020205020404" pitchFamily="49" charset="0"/>
+              </a:rPr>
+              <a:t>numbers.map</a:t>
+            </a:r>
+            <a:r>
+              <a:rPr lang="sv-SE" sz="1200" dirty="0">
+                <a:solidFill>
+                  <a:srgbClr val="666666"/>
+                </a:solidFill>
+                <a:latin typeface="Courier New" panose="02070309020205020404" pitchFamily="49" charset="0"/>
+                <a:cs typeface="Courier New" panose="02070309020205020404" pitchFamily="49" charset="0"/>
+              </a:rPr>
+              <a:t>((i</a:t>
+            </a:r>
+            <a:r>
+              <a:rPr lang="sv-SE" sz="1200" b="1" dirty="0">
+                <a:solidFill>
+                  <a:srgbClr val="008000"/>
+                </a:solidFill>
+                <a:latin typeface="Courier New" panose="02070309020205020404" pitchFamily="49" charset="0"/>
+                <a:cs typeface="Courier New" panose="02070309020205020404" pitchFamily="49" charset="0"/>
+              </a:rPr>
+              <a:t>: </a:t>
+            </a:r>
+            <a:r>
+              <a:rPr lang="sv-SE" sz="1200" b="1" dirty="0" err="1">
+                <a:solidFill>
+                  <a:srgbClr val="B00040"/>
+                </a:solidFill>
+                <a:latin typeface="Courier New" panose="02070309020205020404" pitchFamily="49" charset="0"/>
+                <a:cs typeface="Courier New" panose="02070309020205020404" pitchFamily="49" charset="0"/>
+              </a:rPr>
+              <a:t>Int</a:t>
+            </a:r>
+            <a:r>
+              <a:rPr lang="sv-SE" sz="1200" b="1" dirty="0">
+                <a:solidFill>
+                  <a:srgbClr val="666666"/>
+                </a:solidFill>
+                <a:latin typeface="Courier New" panose="02070309020205020404" pitchFamily="49" charset="0"/>
+                <a:cs typeface="Courier New" panose="02070309020205020404" pitchFamily="49" charset="0"/>
+              </a:rPr>
+              <a:t>) </a:t>
+            </a:r>
+            <a:r>
+              <a:rPr lang="sv-SE" sz="1200" b="1" dirty="0">
+                <a:solidFill>
+                  <a:srgbClr val="008000"/>
+                </a:solidFill>
+                <a:latin typeface="Courier New" panose="02070309020205020404" pitchFamily="49" charset="0"/>
+                <a:cs typeface="Courier New" panose="02070309020205020404" pitchFamily="49" charset="0"/>
+              </a:rPr>
+              <a:t>=&gt; i </a:t>
+            </a:r>
+            <a:r>
+              <a:rPr lang="sv-SE" sz="1200" b="1" dirty="0">
+                <a:solidFill>
+                  <a:srgbClr val="666666"/>
+                </a:solidFill>
+                <a:latin typeface="Courier New" panose="02070309020205020404" pitchFamily="49" charset="0"/>
+                <a:cs typeface="Courier New" panose="02070309020205020404" pitchFamily="49" charset="0"/>
+              </a:rPr>
+              <a:t>* 2))</a:t>
+            </a:r>
+          </a:p>
+          <a:p>
+            <a:r>
+              <a:rPr lang="sv-SE" sz="1200" dirty="0">
+                <a:latin typeface="Courier New" panose="02070309020205020404" pitchFamily="49" charset="0"/>
+                <a:cs typeface="Courier New" panose="02070309020205020404" pitchFamily="49" charset="0"/>
+              </a:rPr>
+              <a:t>  </a:t>
+            </a:r>
+            <a:r>
+              <a:rPr lang="sv-SE" sz="1200" dirty="0" err="1">
+                <a:latin typeface="Courier New" panose="02070309020205020404" pitchFamily="49" charset="0"/>
+                <a:cs typeface="Courier New" panose="02070309020205020404" pitchFamily="49" charset="0"/>
+              </a:rPr>
+              <a:t>println</a:t>
+            </a:r>
+            <a:r>
+              <a:rPr lang="sv-SE" sz="1200" dirty="0">
+                <a:solidFill>
+                  <a:srgbClr val="666666"/>
+                </a:solidFill>
+                <a:latin typeface="Courier New" panose="02070309020205020404" pitchFamily="49" charset="0"/>
+                <a:cs typeface="Courier New" panose="02070309020205020404" pitchFamily="49" charset="0"/>
+              </a:rPr>
+              <a:t>(</a:t>
+            </a:r>
+            <a:r>
+              <a:rPr lang="sv-SE" sz="1200" dirty="0">
+                <a:solidFill>
+                  <a:srgbClr val="BA2121"/>
+                </a:solidFill>
+                <a:latin typeface="Courier New" panose="02070309020205020404" pitchFamily="49" charset="0"/>
+                <a:cs typeface="Courier New" panose="02070309020205020404" pitchFamily="49" charset="0"/>
+              </a:rPr>
+              <a:t>"</a:t>
+            </a:r>
+            <a:r>
+              <a:rPr lang="sv-SE" sz="1200" dirty="0" err="1">
+                <a:solidFill>
+                  <a:srgbClr val="BA2121"/>
+                </a:solidFill>
+                <a:latin typeface="Courier New" panose="02070309020205020404" pitchFamily="49" charset="0"/>
+                <a:cs typeface="Courier New" panose="02070309020205020404" pitchFamily="49" charset="0"/>
+              </a:rPr>
+              <a:t>map</a:t>
+            </a:r>
+            <a:r>
+              <a:rPr lang="sv-SE" sz="1200" dirty="0">
+                <a:solidFill>
+                  <a:srgbClr val="BA2121"/>
+                </a:solidFill>
+                <a:latin typeface="Courier New" panose="02070309020205020404" pitchFamily="49" charset="0"/>
+                <a:cs typeface="Courier New" panose="02070309020205020404" pitchFamily="49" charset="0"/>
+              </a:rPr>
+              <a:t>" </a:t>
+            </a:r>
+            <a:r>
+              <a:rPr lang="sv-SE" sz="1200" dirty="0">
+                <a:solidFill>
+                  <a:srgbClr val="666666"/>
+                </a:solidFill>
+                <a:latin typeface="Courier New" panose="02070309020205020404" pitchFamily="49" charset="0"/>
+                <a:cs typeface="Courier New" panose="02070309020205020404" pitchFamily="49" charset="0"/>
+              </a:rPr>
+              <a:t>+ </a:t>
+            </a:r>
+            <a:r>
+              <a:rPr lang="sv-SE" sz="1200" dirty="0" err="1">
+                <a:solidFill>
+                  <a:srgbClr val="666666"/>
+                </a:solidFill>
+                <a:latin typeface="Courier New" panose="02070309020205020404" pitchFamily="49" charset="0"/>
+                <a:cs typeface="Courier New" panose="02070309020205020404" pitchFamily="49" charset="0"/>
+              </a:rPr>
+              <a:t>numbers.map</a:t>
+            </a:r>
+            <a:r>
+              <a:rPr lang="sv-SE" sz="1200" dirty="0">
+                <a:solidFill>
+                  <a:srgbClr val="666666"/>
+                </a:solidFill>
+                <a:latin typeface="Courier New" panose="02070309020205020404" pitchFamily="49" charset="0"/>
+                <a:cs typeface="Courier New" panose="02070309020205020404" pitchFamily="49" charset="0"/>
+              </a:rPr>
+              <a:t>(</a:t>
+            </a:r>
+            <a:r>
+              <a:rPr lang="sv-SE" sz="1200" dirty="0" err="1">
+                <a:solidFill>
+                  <a:srgbClr val="666666"/>
+                </a:solidFill>
+                <a:latin typeface="Courier New" panose="02070309020205020404" pitchFamily="49" charset="0"/>
+                <a:cs typeface="Courier New" panose="02070309020205020404" pitchFamily="49" charset="0"/>
+              </a:rPr>
+              <a:t>timesTwo</a:t>
+            </a:r>
+            <a:r>
+              <a:rPr lang="sv-SE" sz="1200" dirty="0">
+                <a:solidFill>
+                  <a:srgbClr val="666666"/>
+                </a:solidFill>
+                <a:latin typeface="Courier New" panose="02070309020205020404" pitchFamily="49" charset="0"/>
+                <a:cs typeface="Courier New" panose="02070309020205020404" pitchFamily="49" charset="0"/>
+              </a:rPr>
+              <a:t> </a:t>
+            </a:r>
+            <a:r>
+              <a:rPr lang="sv-SE" sz="1200" b="1" dirty="0">
+                <a:solidFill>
+                  <a:srgbClr val="008000"/>
+                </a:solidFill>
+                <a:latin typeface="Courier New" panose="02070309020205020404" pitchFamily="49" charset="0"/>
+                <a:cs typeface="Courier New" panose="02070309020205020404" pitchFamily="49" charset="0"/>
+              </a:rPr>
+              <a:t>_</a:t>
+            </a:r>
+            <a:r>
+              <a:rPr lang="sv-SE" sz="1200" b="1" dirty="0">
+                <a:solidFill>
+                  <a:srgbClr val="666666"/>
+                </a:solidFill>
+                <a:latin typeface="Courier New" panose="02070309020205020404" pitchFamily="49" charset="0"/>
+                <a:cs typeface="Courier New" panose="02070309020205020404" pitchFamily="49" charset="0"/>
+              </a:rPr>
+              <a:t>))</a:t>
+            </a:r>
+          </a:p>
+          <a:p>
+            <a:endParaRPr lang="sv-SE" sz="1200" dirty="0">
+              <a:latin typeface="Courier New" panose="02070309020205020404" pitchFamily="49" charset="0"/>
+              <a:cs typeface="Courier New" panose="02070309020205020404" pitchFamily="49" charset="0"/>
+            </a:endParaRPr>
+          </a:p>
+          <a:p>
+            <a:r>
+              <a:rPr lang="en-US" sz="1200" dirty="0">
+                <a:latin typeface="Courier New" panose="02070309020205020404" pitchFamily="49" charset="0"/>
+                <a:cs typeface="Courier New" panose="02070309020205020404" pitchFamily="49" charset="0"/>
+              </a:rPr>
+              <a:t>  </a:t>
+            </a:r>
+            <a:r>
+              <a:rPr lang="en-US" sz="1200" i="1" dirty="0">
+                <a:solidFill>
+                  <a:srgbClr val="408080"/>
+                </a:solidFill>
+                <a:latin typeface="Courier New" panose="02070309020205020404" pitchFamily="49" charset="0"/>
+                <a:cs typeface="Courier New" panose="02070309020205020404" pitchFamily="49" charset="0"/>
+              </a:rPr>
+              <a:t>// </a:t>
+            </a:r>
+            <a:r>
+              <a:rPr lang="en-US" sz="1200" i="1" dirty="0" err="1">
+                <a:solidFill>
+                  <a:srgbClr val="408080"/>
+                </a:solidFill>
+                <a:latin typeface="Courier New" panose="02070309020205020404" pitchFamily="49" charset="0"/>
+                <a:cs typeface="Courier New" panose="02070309020205020404" pitchFamily="49" charset="0"/>
+              </a:rPr>
+              <a:t>forEach</a:t>
+            </a:r>
+            <a:r>
+              <a:rPr lang="en-US" sz="1200" i="1" dirty="0">
+                <a:solidFill>
+                  <a:srgbClr val="408080"/>
+                </a:solidFill>
+                <a:latin typeface="Courier New" panose="02070309020205020404" pitchFamily="49" charset="0"/>
+                <a:cs typeface="Courier New" panose="02070309020205020404" pitchFamily="49" charset="0"/>
+              </a:rPr>
+              <a:t>, evaluates each element and returns nothing, for side-effects only</a:t>
+            </a:r>
+          </a:p>
+          <a:p>
+            <a:r>
+              <a:rPr lang="en-US" sz="1200" dirty="0">
+                <a:latin typeface="Courier New" panose="02070309020205020404" pitchFamily="49" charset="0"/>
+                <a:cs typeface="Courier New" panose="02070309020205020404" pitchFamily="49" charset="0"/>
+              </a:rPr>
+              <a:t>  </a:t>
+            </a:r>
+            <a:r>
+              <a:rPr lang="en-US" sz="1200" dirty="0" err="1">
+                <a:latin typeface="Courier New" panose="02070309020205020404" pitchFamily="49" charset="0"/>
+                <a:cs typeface="Courier New" panose="02070309020205020404" pitchFamily="49" charset="0"/>
+              </a:rPr>
+              <a:t>println</a:t>
+            </a:r>
+            <a:r>
+              <a:rPr lang="en-US" sz="1200" dirty="0">
+                <a:solidFill>
+                  <a:srgbClr val="666666"/>
+                </a:solidFill>
+                <a:latin typeface="Courier New" panose="02070309020205020404" pitchFamily="49" charset="0"/>
+                <a:cs typeface="Courier New" panose="02070309020205020404" pitchFamily="49" charset="0"/>
+              </a:rPr>
+              <a:t>(</a:t>
+            </a:r>
+            <a:r>
+              <a:rPr lang="en-US" sz="1200" dirty="0">
+                <a:solidFill>
+                  <a:srgbClr val="BA2121"/>
+                </a:solidFill>
+                <a:latin typeface="Courier New" panose="02070309020205020404" pitchFamily="49" charset="0"/>
+                <a:cs typeface="Courier New" panose="02070309020205020404" pitchFamily="49" charset="0"/>
+              </a:rPr>
+              <a:t>"print </a:t>
+            </a:r>
+            <a:r>
+              <a:rPr lang="en-US" sz="1200" dirty="0" err="1">
+                <a:solidFill>
+                  <a:srgbClr val="BA2121"/>
+                </a:solidFill>
+                <a:latin typeface="Courier New" panose="02070309020205020404" pitchFamily="49" charset="0"/>
+                <a:cs typeface="Courier New" panose="02070309020205020404" pitchFamily="49" charset="0"/>
+              </a:rPr>
+              <a:t>forEach</a:t>
+            </a:r>
+            <a:r>
+              <a:rPr lang="en-US" sz="1200" dirty="0">
+                <a:solidFill>
+                  <a:srgbClr val="BA2121"/>
+                </a:solidFill>
+                <a:latin typeface="Courier New" panose="02070309020205020404" pitchFamily="49" charset="0"/>
+                <a:cs typeface="Courier New" panose="02070309020205020404" pitchFamily="49" charset="0"/>
+              </a:rPr>
+              <a:t>" </a:t>
+            </a:r>
+            <a:r>
+              <a:rPr lang="en-US" sz="1200" dirty="0">
+                <a:solidFill>
+                  <a:srgbClr val="666666"/>
+                </a:solidFill>
+                <a:latin typeface="Courier New" panose="02070309020205020404" pitchFamily="49" charset="0"/>
+                <a:cs typeface="Courier New" panose="02070309020205020404" pitchFamily="49" charset="0"/>
+              </a:rPr>
+              <a:t>+ </a:t>
+            </a:r>
+            <a:r>
+              <a:rPr lang="en-US" sz="1200" dirty="0" err="1">
+                <a:solidFill>
+                  <a:srgbClr val="666666"/>
+                </a:solidFill>
+                <a:latin typeface="Courier New" panose="02070309020205020404" pitchFamily="49" charset="0"/>
+                <a:cs typeface="Courier New" panose="02070309020205020404" pitchFamily="49" charset="0"/>
+              </a:rPr>
+              <a:t>numbers.foreach</a:t>
+            </a:r>
+            <a:r>
+              <a:rPr lang="en-US" sz="1200" dirty="0">
+                <a:solidFill>
+                  <a:srgbClr val="666666"/>
+                </a:solidFill>
+                <a:latin typeface="Courier New" panose="02070309020205020404" pitchFamily="49" charset="0"/>
+                <a:cs typeface="Courier New" panose="02070309020205020404" pitchFamily="49" charset="0"/>
+              </a:rPr>
+              <a:t>((</a:t>
+            </a:r>
+            <a:r>
+              <a:rPr lang="en-US" sz="1200" dirty="0" err="1">
+                <a:solidFill>
+                  <a:srgbClr val="666666"/>
+                </a:solidFill>
+                <a:latin typeface="Courier New" panose="02070309020205020404" pitchFamily="49" charset="0"/>
+                <a:cs typeface="Courier New" panose="02070309020205020404" pitchFamily="49" charset="0"/>
+              </a:rPr>
+              <a:t>i</a:t>
+            </a:r>
+            <a:r>
+              <a:rPr lang="en-US" sz="1200" b="1" dirty="0">
+                <a:solidFill>
+                  <a:srgbClr val="008000"/>
+                </a:solidFill>
+                <a:latin typeface="Courier New" panose="02070309020205020404" pitchFamily="49" charset="0"/>
+                <a:cs typeface="Courier New" panose="02070309020205020404" pitchFamily="49" charset="0"/>
+              </a:rPr>
+              <a:t>: </a:t>
+            </a:r>
+            <a:r>
+              <a:rPr lang="en-US" sz="1200" b="1" dirty="0" err="1">
+                <a:solidFill>
+                  <a:srgbClr val="B00040"/>
+                </a:solidFill>
+                <a:latin typeface="Courier New" panose="02070309020205020404" pitchFamily="49" charset="0"/>
+                <a:cs typeface="Courier New" panose="02070309020205020404" pitchFamily="49" charset="0"/>
+              </a:rPr>
+              <a:t>Int</a:t>
+            </a:r>
+            <a:r>
+              <a:rPr lang="en-US" sz="1200" b="1" dirty="0">
+                <a:solidFill>
+                  <a:srgbClr val="666666"/>
+                </a:solidFill>
+                <a:latin typeface="Courier New" panose="02070309020205020404" pitchFamily="49" charset="0"/>
+                <a:cs typeface="Courier New" panose="02070309020205020404" pitchFamily="49" charset="0"/>
+              </a:rPr>
+              <a:t>) </a:t>
+            </a:r>
+            <a:r>
+              <a:rPr lang="en-US" sz="1200" b="1" dirty="0">
+                <a:solidFill>
+                  <a:srgbClr val="008000"/>
+                </a:solidFill>
+                <a:latin typeface="Courier New" panose="02070309020205020404" pitchFamily="49" charset="0"/>
+                <a:cs typeface="Courier New" panose="02070309020205020404" pitchFamily="49" charset="0"/>
+              </a:rPr>
+              <a:t>=&gt; </a:t>
+            </a:r>
+            <a:r>
+              <a:rPr lang="en-US" sz="1200" b="1" dirty="0" err="1">
+                <a:solidFill>
+                  <a:srgbClr val="008000"/>
+                </a:solidFill>
+                <a:latin typeface="Courier New" panose="02070309020205020404" pitchFamily="49" charset="0"/>
+                <a:cs typeface="Courier New" panose="02070309020205020404" pitchFamily="49" charset="0"/>
+              </a:rPr>
+              <a:t>i</a:t>
+            </a:r>
+            <a:r>
+              <a:rPr lang="en-US" sz="1200" b="1" dirty="0">
+                <a:solidFill>
+                  <a:srgbClr val="008000"/>
+                </a:solidFill>
+                <a:latin typeface="Courier New" panose="02070309020205020404" pitchFamily="49" charset="0"/>
+                <a:cs typeface="Courier New" panose="02070309020205020404" pitchFamily="49" charset="0"/>
+              </a:rPr>
+              <a:t> </a:t>
+            </a:r>
+            <a:r>
+              <a:rPr lang="en-US" sz="1200" b="1" dirty="0">
+                <a:solidFill>
+                  <a:srgbClr val="666666"/>
+                </a:solidFill>
+                <a:latin typeface="Courier New" panose="02070309020205020404" pitchFamily="49" charset="0"/>
+                <a:cs typeface="Courier New" panose="02070309020205020404" pitchFamily="49" charset="0"/>
+              </a:rPr>
+              <a:t>* 2))  </a:t>
+            </a:r>
+            <a:r>
+              <a:rPr lang="en-US" sz="1200" b="1" i="1" dirty="0">
+                <a:solidFill>
+                  <a:srgbClr val="408080"/>
+                </a:solidFill>
+                <a:latin typeface="Courier New" panose="02070309020205020404" pitchFamily="49" charset="0"/>
+                <a:cs typeface="Courier New" panose="02070309020205020404" pitchFamily="49" charset="0"/>
+              </a:rPr>
+              <a:t>// prints (), the Unit (or void) type</a:t>
+            </a:r>
+          </a:p>
+          <a:p>
+            <a:r>
+              <a:rPr lang="en-US" sz="1200" dirty="0">
+                <a:latin typeface="Courier New" panose="02070309020205020404" pitchFamily="49" charset="0"/>
+                <a:cs typeface="Courier New" panose="02070309020205020404" pitchFamily="49" charset="0"/>
+              </a:rPr>
+              <a:t>  </a:t>
+            </a:r>
+            <a:r>
+              <a:rPr lang="en-US" sz="1200" dirty="0" err="1">
+                <a:latin typeface="Courier New" panose="02070309020205020404" pitchFamily="49" charset="0"/>
+                <a:cs typeface="Courier New" panose="02070309020205020404" pitchFamily="49" charset="0"/>
+              </a:rPr>
+              <a:t>numbers</a:t>
+            </a:r>
+            <a:r>
+              <a:rPr lang="en-US" sz="1200" dirty="0" err="1">
+                <a:solidFill>
+                  <a:srgbClr val="666666"/>
+                </a:solidFill>
+                <a:latin typeface="Courier New" panose="02070309020205020404" pitchFamily="49" charset="0"/>
+                <a:cs typeface="Courier New" panose="02070309020205020404" pitchFamily="49" charset="0"/>
+              </a:rPr>
+              <a:t>.foreach</a:t>
+            </a:r>
+            <a:r>
+              <a:rPr lang="en-US" sz="1200" dirty="0">
+                <a:solidFill>
+                  <a:srgbClr val="666666"/>
+                </a:solidFill>
+                <a:latin typeface="Courier New" panose="02070309020205020404" pitchFamily="49" charset="0"/>
+                <a:cs typeface="Courier New" panose="02070309020205020404" pitchFamily="49" charset="0"/>
+              </a:rPr>
+              <a:t>((</a:t>
+            </a:r>
+            <a:r>
+              <a:rPr lang="en-US" sz="1200" dirty="0" err="1">
+                <a:solidFill>
+                  <a:srgbClr val="666666"/>
+                </a:solidFill>
+                <a:latin typeface="Courier New" panose="02070309020205020404" pitchFamily="49" charset="0"/>
+                <a:cs typeface="Courier New" panose="02070309020205020404" pitchFamily="49" charset="0"/>
+              </a:rPr>
+              <a:t>i</a:t>
+            </a:r>
+            <a:r>
+              <a:rPr lang="en-US" sz="1200" b="1" dirty="0">
+                <a:solidFill>
+                  <a:srgbClr val="008000"/>
+                </a:solidFill>
+                <a:latin typeface="Courier New" panose="02070309020205020404" pitchFamily="49" charset="0"/>
+                <a:cs typeface="Courier New" panose="02070309020205020404" pitchFamily="49" charset="0"/>
+              </a:rPr>
+              <a:t>: </a:t>
+            </a:r>
+            <a:r>
+              <a:rPr lang="en-US" sz="1200" b="1" dirty="0" err="1">
+                <a:solidFill>
+                  <a:srgbClr val="B00040"/>
+                </a:solidFill>
+                <a:latin typeface="Courier New" panose="02070309020205020404" pitchFamily="49" charset="0"/>
+                <a:cs typeface="Courier New" panose="02070309020205020404" pitchFamily="49" charset="0"/>
+              </a:rPr>
+              <a:t>Int</a:t>
+            </a:r>
+            <a:r>
+              <a:rPr lang="en-US" sz="1200" b="1" dirty="0">
+                <a:solidFill>
+                  <a:srgbClr val="666666"/>
+                </a:solidFill>
+                <a:latin typeface="Courier New" panose="02070309020205020404" pitchFamily="49" charset="0"/>
+                <a:cs typeface="Courier New" panose="02070309020205020404" pitchFamily="49" charset="0"/>
+              </a:rPr>
+              <a:t>) </a:t>
+            </a:r>
+            <a:r>
+              <a:rPr lang="en-US" sz="1200" b="1" dirty="0">
+                <a:solidFill>
+                  <a:srgbClr val="008000"/>
+                </a:solidFill>
+                <a:latin typeface="Courier New" panose="02070309020205020404" pitchFamily="49" charset="0"/>
+                <a:cs typeface="Courier New" panose="02070309020205020404" pitchFamily="49" charset="0"/>
+              </a:rPr>
+              <a:t>=&gt; </a:t>
+            </a:r>
+            <a:r>
+              <a:rPr lang="en-US" sz="1200" b="1" dirty="0" err="1">
+                <a:solidFill>
+                  <a:srgbClr val="008000"/>
+                </a:solidFill>
+                <a:latin typeface="Courier New" panose="02070309020205020404" pitchFamily="49" charset="0"/>
+                <a:cs typeface="Courier New" panose="02070309020205020404" pitchFamily="49" charset="0"/>
+              </a:rPr>
+              <a:t>println</a:t>
+            </a:r>
+            <a:r>
+              <a:rPr lang="en-US" sz="1200" b="1" dirty="0">
+                <a:solidFill>
+                  <a:srgbClr val="666666"/>
+                </a:solidFill>
+                <a:latin typeface="Courier New" panose="02070309020205020404" pitchFamily="49" charset="0"/>
+                <a:cs typeface="Courier New" panose="02070309020205020404" pitchFamily="49" charset="0"/>
+              </a:rPr>
+              <a:t>(</a:t>
+            </a:r>
+            <a:r>
+              <a:rPr lang="en-US" sz="1200" b="1" dirty="0" err="1">
+                <a:solidFill>
+                  <a:srgbClr val="666666"/>
+                </a:solidFill>
+                <a:latin typeface="Courier New" panose="02070309020205020404" pitchFamily="49" charset="0"/>
+                <a:cs typeface="Courier New" panose="02070309020205020404" pitchFamily="49" charset="0"/>
+              </a:rPr>
+              <a:t>s</a:t>
+            </a:r>
+            <a:r>
+              <a:rPr lang="en-US" sz="1200" b="1" dirty="0" err="1">
+                <a:solidFill>
+                  <a:srgbClr val="BA2121"/>
+                </a:solidFill>
+                <a:latin typeface="Courier New" panose="02070309020205020404" pitchFamily="49" charset="0"/>
+                <a:cs typeface="Courier New" panose="02070309020205020404" pitchFamily="49" charset="0"/>
+              </a:rPr>
+              <a:t>"in</a:t>
+            </a:r>
+            <a:r>
+              <a:rPr lang="en-US" sz="1200" b="1" dirty="0">
+                <a:solidFill>
+                  <a:srgbClr val="BA2121"/>
+                </a:solidFill>
+                <a:latin typeface="Courier New" panose="02070309020205020404" pitchFamily="49" charset="0"/>
+                <a:cs typeface="Courier New" panose="02070309020205020404" pitchFamily="49" charset="0"/>
+              </a:rPr>
+              <a:t> </a:t>
+            </a:r>
+            <a:r>
+              <a:rPr lang="en-US" sz="1200" b="1" dirty="0" err="1">
+                <a:solidFill>
+                  <a:srgbClr val="BA2121"/>
+                </a:solidFill>
+                <a:latin typeface="Courier New" panose="02070309020205020404" pitchFamily="49" charset="0"/>
+                <a:cs typeface="Courier New" panose="02070309020205020404" pitchFamily="49" charset="0"/>
+              </a:rPr>
+              <a:t>forEach</a:t>
+            </a:r>
+            <a:r>
+              <a:rPr lang="en-US" sz="1200" b="1" dirty="0">
+                <a:solidFill>
+                  <a:srgbClr val="BA2121"/>
+                </a:solidFill>
+                <a:latin typeface="Courier New" panose="02070309020205020404" pitchFamily="49" charset="0"/>
+                <a:cs typeface="Courier New" panose="02070309020205020404" pitchFamily="49" charset="0"/>
+              </a:rPr>
+              <a:t>: ${</a:t>
+            </a:r>
+            <a:r>
+              <a:rPr lang="en-US" sz="1200" b="1" dirty="0" err="1">
+                <a:solidFill>
+                  <a:srgbClr val="BA2121"/>
+                </a:solidFill>
+                <a:latin typeface="Courier New" panose="02070309020205020404" pitchFamily="49" charset="0"/>
+                <a:cs typeface="Courier New" panose="02070309020205020404" pitchFamily="49" charset="0"/>
+              </a:rPr>
+              <a:t>i</a:t>
+            </a:r>
+            <a:r>
+              <a:rPr lang="en-US" sz="1200" b="1" dirty="0">
+                <a:solidFill>
+                  <a:srgbClr val="BA2121"/>
+                </a:solidFill>
+                <a:latin typeface="Courier New" panose="02070309020205020404" pitchFamily="49" charset="0"/>
+                <a:cs typeface="Courier New" panose="02070309020205020404" pitchFamily="49" charset="0"/>
+              </a:rPr>
+              <a:t> * 2}"</a:t>
+            </a:r>
+            <a:r>
+              <a:rPr lang="en-US" sz="1200" b="1" dirty="0">
+                <a:solidFill>
+                  <a:srgbClr val="666666"/>
+                </a:solidFill>
+                <a:latin typeface="Courier New" panose="02070309020205020404" pitchFamily="49" charset="0"/>
+                <a:cs typeface="Courier New" panose="02070309020205020404" pitchFamily="49" charset="0"/>
+              </a:rPr>
+              <a:t>))</a:t>
+            </a:r>
+          </a:p>
+          <a:p>
+            <a:endParaRPr lang="sv-SE" sz="1200" dirty="0">
+              <a:latin typeface="Courier New" panose="02070309020205020404" pitchFamily="49" charset="0"/>
+              <a:cs typeface="Courier New" panose="02070309020205020404" pitchFamily="49" charset="0"/>
+            </a:endParaRPr>
+          </a:p>
+          <a:p>
+            <a:r>
+              <a:rPr lang="en-US" sz="1200" dirty="0">
+                <a:latin typeface="Courier New" panose="02070309020205020404" pitchFamily="49" charset="0"/>
+                <a:cs typeface="Courier New" panose="02070309020205020404" pitchFamily="49" charset="0"/>
+              </a:rPr>
+              <a:t>  </a:t>
+            </a:r>
+            <a:r>
+              <a:rPr lang="en-US" sz="1200" i="1" dirty="0">
+                <a:solidFill>
+                  <a:srgbClr val="408080"/>
+                </a:solidFill>
+                <a:latin typeface="Courier New" panose="02070309020205020404" pitchFamily="49" charset="0"/>
+                <a:cs typeface="Courier New" panose="02070309020205020404" pitchFamily="49" charset="0"/>
+              </a:rPr>
+              <a:t>// filter, removes all elements where the predicate is false</a:t>
+            </a:r>
+          </a:p>
+          <a:p>
+            <a:r>
+              <a:rPr lang="sv-SE" sz="1200" dirty="0">
+                <a:latin typeface="Courier New" panose="02070309020205020404" pitchFamily="49" charset="0"/>
+                <a:cs typeface="Courier New" panose="02070309020205020404" pitchFamily="49" charset="0"/>
+              </a:rPr>
+              <a:t>  </a:t>
+            </a:r>
+            <a:r>
+              <a:rPr lang="sv-SE" sz="1200" dirty="0" err="1">
+                <a:latin typeface="Courier New" panose="02070309020205020404" pitchFamily="49" charset="0"/>
+                <a:cs typeface="Courier New" panose="02070309020205020404" pitchFamily="49" charset="0"/>
+              </a:rPr>
+              <a:t>println</a:t>
+            </a:r>
+            <a:r>
+              <a:rPr lang="sv-SE" sz="1200" dirty="0">
+                <a:solidFill>
+                  <a:srgbClr val="666666"/>
+                </a:solidFill>
+                <a:latin typeface="Courier New" panose="02070309020205020404" pitchFamily="49" charset="0"/>
+                <a:cs typeface="Courier New" panose="02070309020205020404" pitchFamily="49" charset="0"/>
+              </a:rPr>
+              <a:t>(</a:t>
+            </a:r>
+            <a:r>
+              <a:rPr lang="sv-SE" sz="1200" dirty="0">
+                <a:solidFill>
+                  <a:srgbClr val="BA2121"/>
+                </a:solidFill>
+                <a:latin typeface="Courier New" panose="02070309020205020404" pitchFamily="49" charset="0"/>
+                <a:cs typeface="Courier New" panose="02070309020205020404" pitchFamily="49" charset="0"/>
+              </a:rPr>
+              <a:t>"filter" </a:t>
+            </a:r>
+            <a:r>
+              <a:rPr lang="sv-SE" sz="1200" dirty="0">
+                <a:solidFill>
+                  <a:srgbClr val="666666"/>
+                </a:solidFill>
+                <a:latin typeface="Courier New" panose="02070309020205020404" pitchFamily="49" charset="0"/>
+                <a:cs typeface="Courier New" panose="02070309020205020404" pitchFamily="49" charset="0"/>
+              </a:rPr>
+              <a:t>+ </a:t>
+            </a:r>
+            <a:r>
+              <a:rPr lang="sv-SE" sz="1200" dirty="0" err="1">
+                <a:solidFill>
+                  <a:srgbClr val="666666"/>
+                </a:solidFill>
+                <a:latin typeface="Courier New" panose="02070309020205020404" pitchFamily="49" charset="0"/>
+                <a:cs typeface="Courier New" panose="02070309020205020404" pitchFamily="49" charset="0"/>
+              </a:rPr>
+              <a:t>numbers.filter</a:t>
+            </a:r>
+            <a:r>
+              <a:rPr lang="sv-SE" sz="1200" dirty="0">
+                <a:solidFill>
+                  <a:srgbClr val="666666"/>
+                </a:solidFill>
+                <a:latin typeface="Courier New" panose="02070309020205020404" pitchFamily="49" charset="0"/>
+                <a:cs typeface="Courier New" panose="02070309020205020404" pitchFamily="49" charset="0"/>
+              </a:rPr>
+              <a:t>(</a:t>
+            </a:r>
+            <a:r>
+              <a:rPr lang="sv-SE" sz="1200" dirty="0" err="1">
+                <a:solidFill>
+                  <a:srgbClr val="666666"/>
+                </a:solidFill>
+                <a:latin typeface="Courier New" panose="02070309020205020404" pitchFamily="49" charset="0"/>
+                <a:cs typeface="Courier New" panose="02070309020205020404" pitchFamily="49" charset="0"/>
+              </a:rPr>
+              <a:t>isEven</a:t>
+            </a:r>
+            <a:r>
+              <a:rPr lang="sv-SE" sz="1200" dirty="0">
+                <a:solidFill>
+                  <a:srgbClr val="666666"/>
+                </a:solidFill>
+                <a:latin typeface="Courier New" panose="02070309020205020404" pitchFamily="49" charset="0"/>
+                <a:cs typeface="Courier New" panose="02070309020205020404" pitchFamily="49" charset="0"/>
+              </a:rPr>
+              <a:t> </a:t>
+            </a:r>
+            <a:r>
+              <a:rPr lang="sv-SE" sz="1200" b="1" dirty="0">
+                <a:solidFill>
+                  <a:srgbClr val="008000"/>
+                </a:solidFill>
+                <a:latin typeface="Courier New" panose="02070309020205020404" pitchFamily="49" charset="0"/>
+                <a:cs typeface="Courier New" panose="02070309020205020404" pitchFamily="49" charset="0"/>
+              </a:rPr>
+              <a:t>_</a:t>
+            </a:r>
+            <a:r>
+              <a:rPr lang="sv-SE" sz="1200" b="1" dirty="0">
+                <a:solidFill>
+                  <a:srgbClr val="666666"/>
+                </a:solidFill>
+                <a:latin typeface="Courier New" panose="02070309020205020404" pitchFamily="49" charset="0"/>
+                <a:cs typeface="Courier New" panose="02070309020205020404" pitchFamily="49" charset="0"/>
+              </a:rPr>
+              <a:t>))</a:t>
+            </a:r>
+          </a:p>
+          <a:p>
+            <a:endParaRPr lang="sv-SE" sz="1200" dirty="0">
+              <a:latin typeface="Courier New" panose="02070309020205020404" pitchFamily="49" charset="0"/>
+              <a:cs typeface="Courier New" panose="02070309020205020404" pitchFamily="49" charset="0"/>
+            </a:endParaRPr>
+          </a:p>
+          <a:p>
+            <a:r>
+              <a:rPr lang="en-US" sz="1200" dirty="0">
+                <a:latin typeface="Courier New" panose="02070309020205020404" pitchFamily="49" charset="0"/>
+                <a:cs typeface="Courier New" panose="02070309020205020404" pitchFamily="49" charset="0"/>
+              </a:rPr>
+              <a:t>  </a:t>
+            </a:r>
+            <a:r>
+              <a:rPr lang="en-US" sz="1200" i="1" dirty="0">
+                <a:solidFill>
+                  <a:srgbClr val="408080"/>
+                </a:solidFill>
+                <a:latin typeface="Courier New" panose="02070309020205020404" pitchFamily="49" charset="0"/>
+                <a:cs typeface="Courier New" panose="02070309020205020404" pitchFamily="49" charset="0"/>
+              </a:rPr>
+              <a:t>// zip </a:t>
+            </a:r>
+            <a:r>
+              <a:rPr lang="en-US" sz="1200" i="1" dirty="0" err="1">
+                <a:solidFill>
+                  <a:srgbClr val="408080"/>
+                </a:solidFill>
+                <a:latin typeface="Courier New" panose="02070309020205020404" pitchFamily="49" charset="0"/>
+                <a:cs typeface="Courier New" panose="02070309020205020404" pitchFamily="49" charset="0"/>
+              </a:rPr>
+              <a:t>zip</a:t>
+            </a:r>
+            <a:r>
+              <a:rPr lang="en-US" sz="1200" i="1" dirty="0">
+                <a:solidFill>
+                  <a:srgbClr val="408080"/>
+                </a:solidFill>
+                <a:latin typeface="Courier New" panose="02070309020205020404" pitchFamily="49" charset="0"/>
+                <a:cs typeface="Courier New" panose="02070309020205020404" pitchFamily="49" charset="0"/>
+              </a:rPr>
+              <a:t> aggregates the contents of two lists into a single list of pairs</a:t>
+            </a:r>
+          </a:p>
+          <a:p>
+            <a:r>
+              <a:rPr lang="sv-SE" sz="1200" dirty="0">
+                <a:latin typeface="Courier New" panose="02070309020205020404" pitchFamily="49" charset="0"/>
+                <a:cs typeface="Courier New" panose="02070309020205020404" pitchFamily="49" charset="0"/>
+              </a:rPr>
+              <a:t>  </a:t>
+            </a:r>
+            <a:r>
+              <a:rPr lang="sv-SE" sz="1200" dirty="0" err="1">
+                <a:latin typeface="Courier New" panose="02070309020205020404" pitchFamily="49" charset="0"/>
+                <a:cs typeface="Courier New" panose="02070309020205020404" pitchFamily="49" charset="0"/>
+              </a:rPr>
+              <a:t>println</a:t>
+            </a:r>
+            <a:r>
+              <a:rPr lang="sv-SE" sz="1200" dirty="0">
+                <a:solidFill>
+                  <a:srgbClr val="666666"/>
+                </a:solidFill>
+                <a:latin typeface="Courier New" panose="02070309020205020404" pitchFamily="49" charset="0"/>
+                <a:cs typeface="Courier New" panose="02070309020205020404" pitchFamily="49" charset="0"/>
+              </a:rPr>
+              <a:t>(</a:t>
+            </a:r>
+            <a:r>
+              <a:rPr lang="sv-SE" sz="1200" dirty="0">
+                <a:solidFill>
+                  <a:srgbClr val="BA2121"/>
+                </a:solidFill>
+                <a:latin typeface="Courier New" panose="02070309020205020404" pitchFamily="49" charset="0"/>
+                <a:cs typeface="Courier New" panose="02070309020205020404" pitchFamily="49" charset="0"/>
+              </a:rPr>
+              <a:t>"</a:t>
+            </a:r>
+            <a:r>
+              <a:rPr lang="sv-SE" sz="1200" dirty="0" err="1">
+                <a:solidFill>
+                  <a:srgbClr val="BA2121"/>
+                </a:solidFill>
+                <a:latin typeface="Courier New" panose="02070309020205020404" pitchFamily="49" charset="0"/>
+                <a:cs typeface="Courier New" panose="02070309020205020404" pitchFamily="49" charset="0"/>
+              </a:rPr>
+              <a:t>zip</a:t>
+            </a:r>
+            <a:r>
+              <a:rPr lang="sv-SE" sz="1200" dirty="0">
+                <a:solidFill>
+                  <a:srgbClr val="BA2121"/>
+                </a:solidFill>
+                <a:latin typeface="Courier New" panose="02070309020205020404" pitchFamily="49" charset="0"/>
+                <a:cs typeface="Courier New" panose="02070309020205020404" pitchFamily="49" charset="0"/>
+              </a:rPr>
+              <a:t>" </a:t>
+            </a:r>
+            <a:r>
+              <a:rPr lang="sv-SE" sz="1200" dirty="0">
+                <a:solidFill>
+                  <a:srgbClr val="666666"/>
+                </a:solidFill>
+                <a:latin typeface="Courier New" panose="02070309020205020404" pitchFamily="49" charset="0"/>
+                <a:cs typeface="Courier New" panose="02070309020205020404" pitchFamily="49" charset="0"/>
+              </a:rPr>
+              <a:t>+ </a:t>
+            </a:r>
+            <a:r>
+              <a:rPr lang="sv-SE" sz="1200" b="1" dirty="0">
+                <a:solidFill>
+                  <a:srgbClr val="0000FF"/>
+                </a:solidFill>
+                <a:latin typeface="Courier New" panose="02070309020205020404" pitchFamily="49" charset="0"/>
+                <a:cs typeface="Courier New" panose="02070309020205020404" pitchFamily="49" charset="0"/>
+              </a:rPr>
+              <a:t>List</a:t>
+            </a:r>
+            <a:r>
+              <a:rPr lang="sv-SE" sz="1200" b="1" dirty="0">
+                <a:solidFill>
+                  <a:srgbClr val="666666"/>
+                </a:solidFill>
+                <a:latin typeface="Courier New" panose="02070309020205020404" pitchFamily="49" charset="0"/>
+                <a:cs typeface="Courier New" panose="02070309020205020404" pitchFamily="49" charset="0"/>
+              </a:rPr>
+              <a:t>(1, 2, 3).</a:t>
+            </a:r>
+            <a:r>
+              <a:rPr lang="sv-SE" sz="1200" b="1" dirty="0" err="1">
+                <a:solidFill>
+                  <a:srgbClr val="666666"/>
+                </a:solidFill>
+                <a:latin typeface="Courier New" panose="02070309020205020404" pitchFamily="49" charset="0"/>
+                <a:cs typeface="Courier New" panose="02070309020205020404" pitchFamily="49" charset="0"/>
+              </a:rPr>
+              <a:t>zip</a:t>
+            </a:r>
+            <a:r>
+              <a:rPr lang="sv-SE" sz="1200" b="1" dirty="0">
+                <a:solidFill>
+                  <a:srgbClr val="666666"/>
+                </a:solidFill>
+                <a:latin typeface="Courier New" panose="02070309020205020404" pitchFamily="49" charset="0"/>
+                <a:cs typeface="Courier New" panose="02070309020205020404" pitchFamily="49" charset="0"/>
+              </a:rPr>
+              <a:t>(</a:t>
+            </a:r>
+            <a:r>
+              <a:rPr lang="sv-SE" sz="1200" b="1" dirty="0">
+                <a:solidFill>
+                  <a:srgbClr val="0000FF"/>
+                </a:solidFill>
+                <a:latin typeface="Courier New" panose="02070309020205020404" pitchFamily="49" charset="0"/>
+                <a:cs typeface="Courier New" panose="02070309020205020404" pitchFamily="49" charset="0"/>
+              </a:rPr>
+              <a:t>List</a:t>
+            </a:r>
+            <a:r>
+              <a:rPr lang="sv-SE" sz="1200" b="1" dirty="0">
+                <a:solidFill>
+                  <a:srgbClr val="666666"/>
+                </a:solidFill>
+                <a:latin typeface="Courier New" panose="02070309020205020404" pitchFamily="49" charset="0"/>
+                <a:cs typeface="Courier New" panose="02070309020205020404" pitchFamily="49" charset="0"/>
+              </a:rPr>
+              <a:t>(</a:t>
+            </a:r>
+            <a:r>
+              <a:rPr lang="sv-SE" sz="1200" b="1" dirty="0">
+                <a:solidFill>
+                  <a:srgbClr val="BA2121"/>
+                </a:solidFill>
+                <a:latin typeface="Courier New" panose="02070309020205020404" pitchFamily="49" charset="0"/>
+                <a:cs typeface="Courier New" panose="02070309020205020404" pitchFamily="49" charset="0"/>
+              </a:rPr>
+              <a:t>"a"</a:t>
+            </a:r>
+            <a:r>
+              <a:rPr lang="sv-SE" sz="1200" b="1" dirty="0">
+                <a:solidFill>
+                  <a:srgbClr val="666666"/>
+                </a:solidFill>
+                <a:latin typeface="Courier New" panose="02070309020205020404" pitchFamily="49" charset="0"/>
+                <a:cs typeface="Courier New" panose="02070309020205020404" pitchFamily="49" charset="0"/>
+              </a:rPr>
+              <a:t>, </a:t>
+            </a:r>
+            <a:r>
+              <a:rPr lang="sv-SE" sz="1200" b="1" dirty="0">
+                <a:solidFill>
+                  <a:srgbClr val="BA2121"/>
+                </a:solidFill>
+                <a:latin typeface="Courier New" panose="02070309020205020404" pitchFamily="49" charset="0"/>
+                <a:cs typeface="Courier New" panose="02070309020205020404" pitchFamily="49" charset="0"/>
+              </a:rPr>
+              <a:t>"b"</a:t>
+            </a:r>
+            <a:r>
+              <a:rPr lang="sv-SE" sz="1200" b="1" dirty="0">
+                <a:solidFill>
+                  <a:srgbClr val="666666"/>
+                </a:solidFill>
+                <a:latin typeface="Courier New" panose="02070309020205020404" pitchFamily="49" charset="0"/>
+                <a:cs typeface="Courier New" panose="02070309020205020404" pitchFamily="49" charset="0"/>
+              </a:rPr>
+              <a:t>, </a:t>
+            </a:r>
+            <a:r>
+              <a:rPr lang="sv-SE" sz="1200" b="1" dirty="0">
+                <a:solidFill>
+                  <a:srgbClr val="BA2121"/>
+                </a:solidFill>
+                <a:latin typeface="Courier New" panose="02070309020205020404" pitchFamily="49" charset="0"/>
+                <a:cs typeface="Courier New" panose="02070309020205020404" pitchFamily="49" charset="0"/>
+              </a:rPr>
+              <a:t>"c"</a:t>
+            </a:r>
+            <a:r>
+              <a:rPr lang="sv-SE" sz="1200" b="1" dirty="0">
+                <a:solidFill>
+                  <a:srgbClr val="666666"/>
+                </a:solidFill>
+                <a:latin typeface="Courier New" panose="02070309020205020404" pitchFamily="49" charset="0"/>
+                <a:cs typeface="Courier New" panose="02070309020205020404" pitchFamily="49" charset="0"/>
+              </a:rPr>
+              <a:t>)))</a:t>
+            </a:r>
+          </a:p>
+          <a:p>
+            <a:endParaRPr lang="sv-SE" sz="1200" dirty="0">
+              <a:latin typeface="Courier New" panose="02070309020205020404" pitchFamily="49" charset="0"/>
+              <a:cs typeface="Courier New" panose="02070309020205020404" pitchFamily="49" charset="0"/>
+            </a:endParaRPr>
+          </a:p>
+          <a:p>
+            <a:r>
+              <a:rPr lang="en-US" sz="1200" dirty="0">
+                <a:latin typeface="Courier New" panose="02070309020205020404" pitchFamily="49" charset="0"/>
+                <a:cs typeface="Courier New" panose="02070309020205020404" pitchFamily="49" charset="0"/>
+              </a:rPr>
+              <a:t>  </a:t>
+            </a:r>
+            <a:r>
+              <a:rPr lang="en-US" sz="1200" i="1" dirty="0">
+                <a:solidFill>
+                  <a:srgbClr val="408080"/>
+                </a:solidFill>
+                <a:latin typeface="Courier New" panose="02070309020205020404" pitchFamily="49" charset="0"/>
+                <a:cs typeface="Courier New" panose="02070309020205020404" pitchFamily="49" charset="0"/>
+              </a:rPr>
+              <a:t>// partition,  splits a list based on a predicate function</a:t>
+            </a:r>
+          </a:p>
+          <a:p>
+            <a:r>
+              <a:rPr lang="fr-FR" sz="1200" dirty="0">
+                <a:latin typeface="Courier New" panose="02070309020205020404" pitchFamily="49" charset="0"/>
+                <a:cs typeface="Courier New" panose="02070309020205020404" pitchFamily="49" charset="0"/>
+              </a:rPr>
+              <a:t>  </a:t>
+            </a:r>
+            <a:r>
+              <a:rPr lang="fr-FR" sz="1200" dirty="0" err="1">
+                <a:latin typeface="Courier New" panose="02070309020205020404" pitchFamily="49" charset="0"/>
+                <a:cs typeface="Courier New" panose="02070309020205020404" pitchFamily="49" charset="0"/>
+              </a:rPr>
+              <a:t>println</a:t>
+            </a:r>
+            <a:r>
+              <a:rPr lang="fr-FR" sz="1200" dirty="0">
+                <a:solidFill>
+                  <a:srgbClr val="666666"/>
+                </a:solidFill>
+                <a:latin typeface="Courier New" panose="02070309020205020404" pitchFamily="49" charset="0"/>
+                <a:cs typeface="Courier New" panose="02070309020205020404" pitchFamily="49" charset="0"/>
+              </a:rPr>
+              <a:t>(</a:t>
+            </a:r>
+            <a:r>
+              <a:rPr lang="fr-FR" sz="1200" b="1" dirty="0">
+                <a:solidFill>
+                  <a:srgbClr val="0000FF"/>
+                </a:solidFill>
+                <a:latin typeface="Courier New" panose="02070309020205020404" pitchFamily="49" charset="0"/>
+                <a:cs typeface="Courier New" panose="02070309020205020404" pitchFamily="49" charset="0"/>
+              </a:rPr>
+              <a:t>List</a:t>
+            </a:r>
+            <a:r>
+              <a:rPr lang="fr-FR" sz="1200" b="1" dirty="0">
+                <a:solidFill>
+                  <a:srgbClr val="666666"/>
+                </a:solidFill>
+                <a:latin typeface="Courier New" panose="02070309020205020404" pitchFamily="49" charset="0"/>
+                <a:cs typeface="Courier New" panose="02070309020205020404" pitchFamily="49" charset="0"/>
+              </a:rPr>
+              <a:t>(1, 2, 3, 4, 5, 6, 7, 8, 9, 10).partition(</a:t>
+            </a:r>
+            <a:r>
+              <a:rPr lang="fr-FR" sz="1200" b="1" dirty="0">
+                <a:solidFill>
+                  <a:srgbClr val="008000"/>
+                </a:solidFill>
+                <a:latin typeface="Courier New" panose="02070309020205020404" pitchFamily="49" charset="0"/>
+                <a:cs typeface="Courier New" panose="02070309020205020404" pitchFamily="49" charset="0"/>
+              </a:rPr>
+              <a:t>_ </a:t>
+            </a:r>
+            <a:r>
+              <a:rPr lang="fr-FR" sz="1200" b="1" dirty="0">
+                <a:solidFill>
+                  <a:srgbClr val="666666"/>
+                </a:solidFill>
+                <a:latin typeface="Courier New" panose="02070309020205020404" pitchFamily="49" charset="0"/>
+                <a:cs typeface="Courier New" panose="02070309020205020404" pitchFamily="49" charset="0"/>
+              </a:rPr>
+              <a:t>%2 == 0))</a:t>
+            </a:r>
+          </a:p>
+          <a:p>
+            <a:endParaRPr lang="sv-SE" sz="1200" dirty="0">
+              <a:latin typeface="Courier New" panose="02070309020205020404" pitchFamily="49" charset="0"/>
+              <a:cs typeface="Courier New" panose="02070309020205020404" pitchFamily="49" charset="0"/>
+            </a:endParaRPr>
+          </a:p>
+        </p:txBody>
+      </p:sp>
+    </p:spTree>
+    <p:extLst>
+      <p:ext uri="{BB962C8B-B14F-4D97-AF65-F5344CB8AC3E}">
+        <p14:creationId xmlns:p14="http://schemas.microsoft.com/office/powerpoint/2010/main" val="3606674839"/>
+      </p:ext>
+    </p:extLst>
+  </p:cSld>
+  <p:clrMapOvr>
+    <a:masterClrMapping/>
+  </p:clrMapOvr>
+  <p:timing>
+    <p:tnLst>
+      <p:par>
+        <p:cTn id="1" dur="indefinite" restart="never" nodeType="tmRoot"/>
+      </p:par>
+    </p:tnLst>
+  </p:timing>
+</p:sld>
+</file>
+
+<file path=ppt/slides/slide23.xml><?xml version="1.0" encoding="utf-8"?>
+<p:sld xmlns:a="http://schemas.openxmlformats.org/drawingml/2006/main" xmlns:r="http://schemas.openxmlformats.org/officeDocument/2006/relationships" xmlns:p="http://schemas.openxmlformats.org/presentationml/2006/main">
+  <p:cSld>
+    <p:spTree>
+      <p:nvGrpSpPr>
+        <p:cNvPr id="1" name=""/>
+        <p:cNvGrpSpPr/>
+        <p:nvPr/>
+      </p:nvGrpSpPr>
+      <p:grpSpPr>
+        <a:xfrm>
+          <a:off x="0" y="0"/>
+          <a:ext cx="0" cy="0"/>
+          <a:chOff x="0" y="0"/>
+          <a:chExt cx="0" cy="0"/>
+        </a:xfrm>
+      </p:grpSpPr>
+      <p:sp>
+        <p:nvSpPr>
+          <p:cNvPr id="38914" name="Title 1"/>
+          <p:cNvSpPr>
+            <a:spLocks noGrp="1"/>
+          </p:cNvSpPr>
+          <p:nvPr>
+            <p:ph type="title"/>
+          </p:nvPr>
+        </p:nvSpPr>
+        <p:spPr/>
+        <p:txBody>
+          <a:bodyPr/>
+          <a:lstStyle/>
+          <a:p>
+            <a:pPr eaLnBrk="1" hangingPunct="1"/>
+            <a:r>
+              <a:rPr lang="sv-SE" dirty="0" smtClean="0"/>
+              <a:t>Scala – </a:t>
+            </a:r>
+            <a:r>
+              <a:rPr lang="sv-SE" dirty="0"/>
+              <a:t>Collections and </a:t>
+            </a:r>
+            <a:r>
+              <a:rPr lang="sv-SE" dirty="0" err="1"/>
+              <a:t>Functional</a:t>
+            </a:r>
+            <a:r>
+              <a:rPr lang="sv-SE" dirty="0"/>
+              <a:t> Combinators</a:t>
+            </a:r>
+            <a:endParaRPr lang="sv-SE" dirty="0" smtClean="0"/>
+          </a:p>
+        </p:txBody>
+      </p:sp>
+      <p:sp>
+        <p:nvSpPr>
+          <p:cNvPr id="4" name="Slide Number Placeholder 3"/>
+          <p:cNvSpPr>
+            <a:spLocks noGrp="1"/>
+          </p:cNvSpPr>
+          <p:nvPr>
+            <p:ph type="sldNum" sz="quarter" idx="12"/>
+          </p:nvPr>
+        </p:nvSpPr>
+        <p:spPr/>
+        <p:txBody>
+          <a:bodyPr/>
+          <a:lstStyle/>
+          <a:p>
+            <a:pPr>
+              <a:defRPr/>
+            </a:pPr>
+            <a:fld id="{65CF15D9-E3AC-4DA0-9B28-EAA5CCEDB846}" type="slidenum">
+              <a:rPr lang="en-US" smtClean="0"/>
+              <a:pPr>
+                <a:defRPr/>
+              </a:pPr>
+              <a:t>23</a:t>
+            </a:fld>
+            <a:endParaRPr lang="en-US"/>
+          </a:p>
+        </p:txBody>
+      </p:sp>
+      <p:sp>
+        <p:nvSpPr>
+          <p:cNvPr id="2" name="Rectangle 1"/>
+          <p:cNvSpPr/>
+          <p:nvPr/>
+        </p:nvSpPr>
+        <p:spPr>
+          <a:xfrm>
+            <a:off x="269268" y="1403712"/>
+            <a:ext cx="8874732" cy="4339650"/>
+          </a:xfrm>
+          <a:prstGeom prst="rect">
+            <a:avLst/>
+          </a:prstGeom>
+        </p:spPr>
+        <p:txBody>
+          <a:bodyPr wrap="square">
+            <a:spAutoFit/>
+          </a:bodyPr>
+          <a:lstStyle/>
+          <a:p>
+            <a:r>
+              <a:rPr lang="en-US" sz="1200" dirty="0" smtClean="0">
+                <a:latin typeface="Courier New" panose="02070309020205020404" pitchFamily="49" charset="0"/>
+                <a:cs typeface="Courier New" panose="02070309020205020404" pitchFamily="49" charset="0"/>
+              </a:rPr>
+              <a:t>  </a:t>
+            </a:r>
+            <a:r>
+              <a:rPr lang="en-US" sz="1200" i="1" dirty="0">
+                <a:solidFill>
+                  <a:srgbClr val="408080"/>
+                </a:solidFill>
+                <a:latin typeface="Courier New" panose="02070309020205020404" pitchFamily="49" charset="0"/>
+                <a:cs typeface="Courier New" panose="02070309020205020404" pitchFamily="49" charset="0"/>
+              </a:rPr>
+              <a:t>// find returns the first element of a collection that matches, returns an Option</a:t>
+            </a:r>
+          </a:p>
+          <a:p>
+            <a:r>
+              <a:rPr lang="en-US" sz="1200" dirty="0">
+                <a:latin typeface="Courier New" panose="02070309020205020404" pitchFamily="49" charset="0"/>
+                <a:cs typeface="Courier New" panose="02070309020205020404" pitchFamily="49" charset="0"/>
+              </a:rPr>
+              <a:t>  </a:t>
+            </a:r>
+            <a:r>
+              <a:rPr lang="en-US" sz="1200" dirty="0" err="1">
+                <a:latin typeface="Courier New" panose="02070309020205020404" pitchFamily="49" charset="0"/>
+                <a:cs typeface="Courier New" panose="02070309020205020404" pitchFamily="49" charset="0"/>
+              </a:rPr>
+              <a:t>println</a:t>
+            </a:r>
+            <a:r>
+              <a:rPr lang="en-US" sz="1200" dirty="0">
+                <a:solidFill>
+                  <a:srgbClr val="666666"/>
+                </a:solidFill>
+                <a:latin typeface="Courier New" panose="02070309020205020404" pitchFamily="49" charset="0"/>
+                <a:cs typeface="Courier New" panose="02070309020205020404" pitchFamily="49" charset="0"/>
+              </a:rPr>
+              <a:t>(</a:t>
+            </a:r>
+            <a:r>
+              <a:rPr lang="en-US" sz="1200" dirty="0">
+                <a:solidFill>
+                  <a:srgbClr val="BA2121"/>
+                </a:solidFill>
+                <a:latin typeface="Courier New" panose="02070309020205020404" pitchFamily="49" charset="0"/>
+                <a:cs typeface="Courier New" panose="02070309020205020404" pitchFamily="49" charset="0"/>
+              </a:rPr>
+              <a:t>"find" </a:t>
+            </a:r>
+            <a:r>
+              <a:rPr lang="en-US" sz="1200" dirty="0">
+                <a:solidFill>
+                  <a:srgbClr val="666666"/>
+                </a:solidFill>
+                <a:latin typeface="Courier New" panose="02070309020205020404" pitchFamily="49" charset="0"/>
+                <a:cs typeface="Courier New" panose="02070309020205020404" pitchFamily="49" charset="0"/>
+              </a:rPr>
+              <a:t>+ </a:t>
+            </a:r>
+            <a:r>
+              <a:rPr lang="en-US" sz="1200" dirty="0" err="1">
+                <a:solidFill>
+                  <a:srgbClr val="666666"/>
+                </a:solidFill>
+                <a:latin typeface="Courier New" panose="02070309020205020404" pitchFamily="49" charset="0"/>
+                <a:cs typeface="Courier New" panose="02070309020205020404" pitchFamily="49" charset="0"/>
+              </a:rPr>
+              <a:t>numbers.find</a:t>
+            </a:r>
+            <a:r>
+              <a:rPr lang="en-US" sz="1200" dirty="0">
+                <a:solidFill>
+                  <a:srgbClr val="666666"/>
+                </a:solidFill>
+                <a:latin typeface="Courier New" panose="02070309020205020404" pitchFamily="49" charset="0"/>
+                <a:cs typeface="Courier New" panose="02070309020205020404" pitchFamily="49" charset="0"/>
+              </a:rPr>
+              <a:t>((</a:t>
+            </a:r>
+            <a:r>
+              <a:rPr lang="en-US" sz="1200" dirty="0" err="1">
+                <a:solidFill>
+                  <a:srgbClr val="666666"/>
+                </a:solidFill>
+                <a:latin typeface="Courier New" panose="02070309020205020404" pitchFamily="49" charset="0"/>
+                <a:cs typeface="Courier New" panose="02070309020205020404" pitchFamily="49" charset="0"/>
+              </a:rPr>
+              <a:t>i</a:t>
+            </a:r>
+            <a:r>
+              <a:rPr lang="en-US" sz="1200" b="1" dirty="0">
+                <a:solidFill>
+                  <a:srgbClr val="008000"/>
+                </a:solidFill>
+                <a:latin typeface="Courier New" panose="02070309020205020404" pitchFamily="49" charset="0"/>
+                <a:cs typeface="Courier New" panose="02070309020205020404" pitchFamily="49" charset="0"/>
+              </a:rPr>
+              <a:t>: </a:t>
+            </a:r>
+            <a:r>
+              <a:rPr lang="en-US" sz="1200" b="1" dirty="0" err="1">
+                <a:solidFill>
+                  <a:srgbClr val="B00040"/>
+                </a:solidFill>
+                <a:latin typeface="Courier New" panose="02070309020205020404" pitchFamily="49" charset="0"/>
+                <a:cs typeface="Courier New" panose="02070309020205020404" pitchFamily="49" charset="0"/>
+              </a:rPr>
+              <a:t>Int</a:t>
+            </a:r>
+            <a:r>
+              <a:rPr lang="en-US" sz="1200" b="1" dirty="0">
+                <a:solidFill>
+                  <a:srgbClr val="666666"/>
+                </a:solidFill>
+                <a:latin typeface="Courier New" panose="02070309020205020404" pitchFamily="49" charset="0"/>
+                <a:cs typeface="Courier New" panose="02070309020205020404" pitchFamily="49" charset="0"/>
+              </a:rPr>
+              <a:t>) </a:t>
+            </a:r>
+            <a:r>
+              <a:rPr lang="en-US" sz="1200" b="1" dirty="0">
+                <a:solidFill>
+                  <a:srgbClr val="008000"/>
+                </a:solidFill>
+                <a:latin typeface="Courier New" panose="02070309020205020404" pitchFamily="49" charset="0"/>
+                <a:cs typeface="Courier New" panose="02070309020205020404" pitchFamily="49" charset="0"/>
+              </a:rPr>
+              <a:t>=&gt; </a:t>
+            </a:r>
+            <a:r>
+              <a:rPr lang="en-US" sz="1200" b="1" dirty="0" err="1">
+                <a:solidFill>
+                  <a:srgbClr val="008000"/>
+                </a:solidFill>
+                <a:latin typeface="Courier New" panose="02070309020205020404" pitchFamily="49" charset="0"/>
+                <a:cs typeface="Courier New" panose="02070309020205020404" pitchFamily="49" charset="0"/>
+              </a:rPr>
+              <a:t>i</a:t>
+            </a:r>
+            <a:r>
+              <a:rPr lang="en-US" sz="1200" b="1" dirty="0">
+                <a:solidFill>
+                  <a:srgbClr val="008000"/>
+                </a:solidFill>
+                <a:latin typeface="Courier New" panose="02070309020205020404" pitchFamily="49" charset="0"/>
+                <a:cs typeface="Courier New" panose="02070309020205020404" pitchFamily="49" charset="0"/>
+              </a:rPr>
+              <a:t> </a:t>
+            </a:r>
+            <a:r>
+              <a:rPr lang="en-US" sz="1200" b="1" dirty="0">
+                <a:solidFill>
+                  <a:srgbClr val="666666"/>
+                </a:solidFill>
+                <a:latin typeface="Courier New" panose="02070309020205020404" pitchFamily="49" charset="0"/>
+                <a:cs typeface="Courier New" panose="02070309020205020404" pitchFamily="49" charset="0"/>
+              </a:rPr>
+              <a:t>&gt; 2))</a:t>
+            </a:r>
+          </a:p>
+          <a:p>
+            <a:endParaRPr lang="sv-SE" sz="1200" dirty="0">
+              <a:latin typeface="Courier New" panose="02070309020205020404" pitchFamily="49" charset="0"/>
+              <a:cs typeface="Courier New" panose="02070309020205020404" pitchFamily="49" charset="0"/>
+            </a:endParaRPr>
+          </a:p>
+          <a:p>
+            <a:r>
+              <a:rPr lang="en-US" sz="1200" dirty="0">
+                <a:latin typeface="Courier New" panose="02070309020205020404" pitchFamily="49" charset="0"/>
+                <a:cs typeface="Courier New" panose="02070309020205020404" pitchFamily="49" charset="0"/>
+              </a:rPr>
+              <a:t>  </a:t>
+            </a:r>
+            <a:r>
+              <a:rPr lang="en-US" sz="1200" i="1" dirty="0">
+                <a:solidFill>
+                  <a:srgbClr val="408080"/>
+                </a:solidFill>
+                <a:latin typeface="Courier New" panose="02070309020205020404" pitchFamily="49" charset="0"/>
+                <a:cs typeface="Courier New" panose="02070309020205020404" pitchFamily="49" charset="0"/>
+              </a:rPr>
+              <a:t>// drop drops the first n elements</a:t>
+            </a:r>
+          </a:p>
+          <a:p>
+            <a:r>
+              <a:rPr lang="sv-SE" sz="1200" dirty="0">
+                <a:latin typeface="Courier New" panose="02070309020205020404" pitchFamily="49" charset="0"/>
+                <a:cs typeface="Courier New" panose="02070309020205020404" pitchFamily="49" charset="0"/>
+              </a:rPr>
+              <a:t>  </a:t>
+            </a:r>
+            <a:r>
+              <a:rPr lang="sv-SE" sz="1200" dirty="0" err="1">
+                <a:latin typeface="Courier New" panose="02070309020205020404" pitchFamily="49" charset="0"/>
+                <a:cs typeface="Courier New" panose="02070309020205020404" pitchFamily="49" charset="0"/>
+              </a:rPr>
+              <a:t>println</a:t>
+            </a:r>
+            <a:r>
+              <a:rPr lang="sv-SE" sz="1200" dirty="0">
+                <a:solidFill>
+                  <a:srgbClr val="666666"/>
+                </a:solidFill>
+                <a:latin typeface="Courier New" panose="02070309020205020404" pitchFamily="49" charset="0"/>
+                <a:cs typeface="Courier New" panose="02070309020205020404" pitchFamily="49" charset="0"/>
+              </a:rPr>
+              <a:t>(</a:t>
+            </a:r>
+            <a:r>
+              <a:rPr lang="sv-SE" sz="1200" dirty="0">
+                <a:solidFill>
+                  <a:srgbClr val="BA2121"/>
+                </a:solidFill>
+                <a:latin typeface="Courier New" panose="02070309020205020404" pitchFamily="49" charset="0"/>
+                <a:cs typeface="Courier New" panose="02070309020205020404" pitchFamily="49" charset="0"/>
+              </a:rPr>
+              <a:t>"</a:t>
+            </a:r>
+            <a:r>
+              <a:rPr lang="sv-SE" sz="1200" dirty="0" err="1">
+                <a:solidFill>
+                  <a:srgbClr val="BA2121"/>
+                </a:solidFill>
+                <a:latin typeface="Courier New" panose="02070309020205020404" pitchFamily="49" charset="0"/>
+                <a:cs typeface="Courier New" panose="02070309020205020404" pitchFamily="49" charset="0"/>
+              </a:rPr>
+              <a:t>drop</a:t>
+            </a:r>
+            <a:r>
+              <a:rPr lang="sv-SE" sz="1200" dirty="0">
+                <a:solidFill>
+                  <a:srgbClr val="BA2121"/>
+                </a:solidFill>
+                <a:latin typeface="Courier New" panose="02070309020205020404" pitchFamily="49" charset="0"/>
+                <a:cs typeface="Courier New" panose="02070309020205020404" pitchFamily="49" charset="0"/>
+              </a:rPr>
+              <a:t>"</a:t>
+            </a:r>
+            <a:r>
+              <a:rPr lang="sv-SE" sz="1200" dirty="0">
+                <a:solidFill>
+                  <a:srgbClr val="666666"/>
+                </a:solidFill>
+                <a:latin typeface="Courier New" panose="02070309020205020404" pitchFamily="49" charset="0"/>
+                <a:cs typeface="Courier New" panose="02070309020205020404" pitchFamily="49" charset="0"/>
+              </a:rPr>
+              <a:t>+ </a:t>
+            </a:r>
+            <a:r>
+              <a:rPr lang="sv-SE" sz="1200" dirty="0" err="1">
+                <a:solidFill>
+                  <a:srgbClr val="666666"/>
+                </a:solidFill>
+                <a:latin typeface="Courier New" panose="02070309020205020404" pitchFamily="49" charset="0"/>
+                <a:cs typeface="Courier New" panose="02070309020205020404" pitchFamily="49" charset="0"/>
+              </a:rPr>
+              <a:t>numbers.drop</a:t>
+            </a:r>
+            <a:r>
+              <a:rPr lang="sv-SE" sz="1200" dirty="0">
+                <a:solidFill>
+                  <a:srgbClr val="666666"/>
+                </a:solidFill>
+                <a:latin typeface="Courier New" panose="02070309020205020404" pitchFamily="49" charset="0"/>
+                <a:cs typeface="Courier New" panose="02070309020205020404" pitchFamily="49" charset="0"/>
+              </a:rPr>
+              <a:t>(2))</a:t>
+            </a:r>
+          </a:p>
+          <a:p>
+            <a:endParaRPr lang="sv-SE" sz="1200" dirty="0">
+              <a:latin typeface="Courier New" panose="02070309020205020404" pitchFamily="49" charset="0"/>
+              <a:cs typeface="Courier New" panose="02070309020205020404" pitchFamily="49" charset="0"/>
+            </a:endParaRPr>
+          </a:p>
+          <a:p>
+            <a:r>
+              <a:rPr lang="en-US" sz="1200" dirty="0">
+                <a:latin typeface="Courier New" panose="02070309020205020404" pitchFamily="49" charset="0"/>
+                <a:cs typeface="Courier New" panose="02070309020205020404" pitchFamily="49" charset="0"/>
+              </a:rPr>
+              <a:t>  </a:t>
+            </a:r>
+            <a:r>
+              <a:rPr lang="en-US" sz="1200" i="1" dirty="0">
+                <a:solidFill>
+                  <a:srgbClr val="408080"/>
+                </a:solidFill>
+                <a:latin typeface="Courier New" panose="02070309020205020404" pitchFamily="49" charset="0"/>
+                <a:cs typeface="Courier New" panose="02070309020205020404" pitchFamily="49" charset="0"/>
+              </a:rPr>
+              <a:t>// </a:t>
+            </a:r>
+            <a:r>
+              <a:rPr lang="en-US" sz="1200" i="1" dirty="0" err="1">
+                <a:solidFill>
+                  <a:srgbClr val="408080"/>
+                </a:solidFill>
+                <a:latin typeface="Courier New" panose="02070309020205020404" pitchFamily="49" charset="0"/>
+                <a:cs typeface="Courier New" panose="02070309020205020404" pitchFamily="49" charset="0"/>
+              </a:rPr>
+              <a:t>dropWhile</a:t>
+            </a:r>
+            <a:r>
+              <a:rPr lang="en-US" sz="1200" i="1" dirty="0">
+                <a:solidFill>
+                  <a:srgbClr val="408080"/>
+                </a:solidFill>
+                <a:latin typeface="Courier New" panose="02070309020205020404" pitchFamily="49" charset="0"/>
+                <a:cs typeface="Courier New" panose="02070309020205020404" pitchFamily="49" charset="0"/>
+              </a:rPr>
+              <a:t> removes the first elements that match</a:t>
+            </a:r>
+          </a:p>
+          <a:p>
+            <a:r>
+              <a:rPr lang="en-US" sz="1200" dirty="0">
+                <a:latin typeface="Courier New" panose="02070309020205020404" pitchFamily="49" charset="0"/>
+                <a:cs typeface="Courier New" panose="02070309020205020404" pitchFamily="49" charset="0"/>
+              </a:rPr>
+              <a:t>  </a:t>
+            </a:r>
+            <a:r>
+              <a:rPr lang="en-US" sz="1200" dirty="0" err="1">
+                <a:latin typeface="Courier New" panose="02070309020205020404" pitchFamily="49" charset="0"/>
+                <a:cs typeface="Courier New" panose="02070309020205020404" pitchFamily="49" charset="0"/>
+              </a:rPr>
+              <a:t>println</a:t>
+            </a:r>
+            <a:r>
+              <a:rPr lang="en-US" sz="1200" dirty="0">
+                <a:solidFill>
+                  <a:srgbClr val="666666"/>
+                </a:solidFill>
+                <a:latin typeface="Courier New" panose="02070309020205020404" pitchFamily="49" charset="0"/>
+                <a:cs typeface="Courier New" panose="02070309020205020404" pitchFamily="49" charset="0"/>
+              </a:rPr>
+              <a:t>(</a:t>
+            </a:r>
+            <a:r>
+              <a:rPr lang="en-US" sz="1200" dirty="0">
+                <a:solidFill>
+                  <a:srgbClr val="BA2121"/>
+                </a:solidFill>
+                <a:latin typeface="Courier New" panose="02070309020205020404" pitchFamily="49" charset="0"/>
+                <a:cs typeface="Courier New" panose="02070309020205020404" pitchFamily="49" charset="0"/>
+              </a:rPr>
+              <a:t>"</a:t>
+            </a:r>
+            <a:r>
+              <a:rPr lang="en-US" sz="1200" dirty="0" err="1">
+                <a:solidFill>
+                  <a:srgbClr val="BA2121"/>
+                </a:solidFill>
+                <a:latin typeface="Courier New" panose="02070309020205020404" pitchFamily="49" charset="0"/>
+                <a:cs typeface="Courier New" panose="02070309020205020404" pitchFamily="49" charset="0"/>
+              </a:rPr>
+              <a:t>dropWhile</a:t>
+            </a:r>
+            <a:r>
+              <a:rPr lang="en-US" sz="1200" dirty="0">
+                <a:solidFill>
+                  <a:srgbClr val="BA2121"/>
+                </a:solidFill>
+                <a:latin typeface="Courier New" panose="02070309020205020404" pitchFamily="49" charset="0"/>
+                <a:cs typeface="Courier New" panose="02070309020205020404" pitchFamily="49" charset="0"/>
+              </a:rPr>
+              <a:t>"</a:t>
+            </a:r>
+            <a:r>
+              <a:rPr lang="en-US" sz="1200" dirty="0">
+                <a:solidFill>
+                  <a:srgbClr val="666666"/>
+                </a:solidFill>
+                <a:latin typeface="Courier New" panose="02070309020205020404" pitchFamily="49" charset="0"/>
+                <a:cs typeface="Courier New" panose="02070309020205020404" pitchFamily="49" charset="0"/>
+              </a:rPr>
+              <a:t>+ </a:t>
+            </a:r>
+            <a:r>
+              <a:rPr lang="en-US" sz="1200" dirty="0" err="1">
+                <a:solidFill>
+                  <a:srgbClr val="666666"/>
+                </a:solidFill>
+                <a:latin typeface="Courier New" panose="02070309020205020404" pitchFamily="49" charset="0"/>
+                <a:cs typeface="Courier New" panose="02070309020205020404" pitchFamily="49" charset="0"/>
+              </a:rPr>
+              <a:t>numbers.dropWhile</a:t>
+            </a:r>
+            <a:r>
+              <a:rPr lang="en-US" sz="1200" dirty="0">
+                <a:solidFill>
+                  <a:srgbClr val="666666"/>
+                </a:solidFill>
+                <a:latin typeface="Courier New" panose="02070309020205020404" pitchFamily="49" charset="0"/>
+                <a:cs typeface="Courier New" panose="02070309020205020404" pitchFamily="49" charset="0"/>
+              </a:rPr>
+              <a:t>(</a:t>
+            </a:r>
+            <a:r>
+              <a:rPr lang="en-US" sz="1200" b="1" dirty="0">
+                <a:solidFill>
+                  <a:srgbClr val="008000"/>
+                </a:solidFill>
+                <a:latin typeface="Courier New" panose="02070309020205020404" pitchFamily="49" charset="0"/>
+                <a:cs typeface="Courier New" panose="02070309020205020404" pitchFamily="49" charset="0"/>
+              </a:rPr>
+              <a:t>_ </a:t>
+            </a:r>
+            <a:r>
+              <a:rPr lang="en-US" sz="1200" b="1" dirty="0">
+                <a:solidFill>
+                  <a:srgbClr val="666666"/>
+                </a:solidFill>
+                <a:latin typeface="Courier New" panose="02070309020205020404" pitchFamily="49" charset="0"/>
+                <a:cs typeface="Courier New" panose="02070309020205020404" pitchFamily="49" charset="0"/>
+              </a:rPr>
+              <a:t>% 2 != 0))  </a:t>
+            </a:r>
+            <a:r>
+              <a:rPr lang="en-US" sz="1200" b="1" i="1" dirty="0">
+                <a:solidFill>
+                  <a:srgbClr val="408080"/>
+                </a:solidFill>
+                <a:latin typeface="Courier New" panose="02070309020205020404" pitchFamily="49" charset="0"/>
+                <a:cs typeface="Courier New" panose="02070309020205020404" pitchFamily="49" charset="0"/>
+              </a:rPr>
+              <a:t>// Only 1, is dropped, since 3 is not first: it is "shielded" by 2</a:t>
+            </a:r>
+          </a:p>
+          <a:p>
+            <a:endParaRPr lang="sv-SE" sz="1200" dirty="0">
+              <a:latin typeface="Courier New" panose="02070309020205020404" pitchFamily="49" charset="0"/>
+              <a:cs typeface="Courier New" panose="02070309020205020404" pitchFamily="49" charset="0"/>
+            </a:endParaRPr>
+          </a:p>
+          <a:p>
+            <a:r>
+              <a:rPr lang="en-US" sz="1200" dirty="0">
+                <a:latin typeface="Courier New" panose="02070309020205020404" pitchFamily="49" charset="0"/>
+                <a:cs typeface="Courier New" panose="02070309020205020404" pitchFamily="49" charset="0"/>
+              </a:rPr>
+              <a:t>  </a:t>
+            </a:r>
+            <a:r>
+              <a:rPr lang="en-US" sz="1200" i="1" dirty="0">
+                <a:solidFill>
+                  <a:srgbClr val="408080"/>
+                </a:solidFill>
+                <a:latin typeface="Courier New" panose="02070309020205020404" pitchFamily="49" charset="0"/>
+                <a:cs typeface="Courier New" panose="02070309020205020404" pitchFamily="49" charset="0"/>
+              </a:rPr>
+              <a:t>// </a:t>
+            </a:r>
+            <a:r>
+              <a:rPr lang="en-US" sz="1200" i="1" dirty="0" err="1">
+                <a:solidFill>
+                  <a:srgbClr val="408080"/>
+                </a:solidFill>
+                <a:latin typeface="Courier New" panose="02070309020205020404" pitchFamily="49" charset="0"/>
+                <a:cs typeface="Courier New" panose="02070309020205020404" pitchFamily="49" charset="0"/>
+              </a:rPr>
+              <a:t>foldLeft</a:t>
+            </a:r>
+            <a:r>
+              <a:rPr lang="en-US" sz="1200" i="1" dirty="0">
+                <a:solidFill>
+                  <a:srgbClr val="408080"/>
+                </a:solidFill>
+                <a:latin typeface="Courier New" panose="02070309020205020404" pitchFamily="49" charset="0"/>
+                <a:cs typeface="Courier New" panose="02070309020205020404" pitchFamily="49" charset="0"/>
+              </a:rPr>
+              <a:t>; folds each element into the element to the left. Here 0 is the starting number, can be any value</a:t>
+            </a:r>
+          </a:p>
+          <a:p>
+            <a:r>
+              <a:rPr lang="sv-SE" sz="1200" dirty="0">
+                <a:latin typeface="Courier New" panose="02070309020205020404" pitchFamily="49" charset="0"/>
+                <a:cs typeface="Courier New" panose="02070309020205020404" pitchFamily="49" charset="0"/>
+              </a:rPr>
+              <a:t>  </a:t>
+            </a:r>
+            <a:r>
+              <a:rPr lang="sv-SE" sz="1200" dirty="0" err="1">
+                <a:latin typeface="Courier New" panose="02070309020205020404" pitchFamily="49" charset="0"/>
+                <a:cs typeface="Courier New" panose="02070309020205020404" pitchFamily="49" charset="0"/>
+              </a:rPr>
+              <a:t>println</a:t>
+            </a:r>
+            <a:r>
+              <a:rPr lang="sv-SE" sz="1200" dirty="0">
+                <a:solidFill>
+                  <a:srgbClr val="666666"/>
+                </a:solidFill>
+                <a:latin typeface="Courier New" panose="02070309020205020404" pitchFamily="49" charset="0"/>
+                <a:cs typeface="Courier New" panose="02070309020205020404" pitchFamily="49" charset="0"/>
+              </a:rPr>
+              <a:t>(</a:t>
+            </a:r>
+            <a:r>
+              <a:rPr lang="sv-SE" sz="1200" dirty="0">
+                <a:solidFill>
+                  <a:srgbClr val="BA2121"/>
+                </a:solidFill>
+                <a:latin typeface="Courier New" panose="02070309020205020404" pitchFamily="49" charset="0"/>
+                <a:cs typeface="Courier New" panose="02070309020205020404" pitchFamily="49" charset="0"/>
+              </a:rPr>
+              <a:t>"</a:t>
+            </a:r>
+            <a:r>
+              <a:rPr lang="sv-SE" sz="1200" dirty="0" err="1">
+                <a:solidFill>
+                  <a:srgbClr val="BA2121"/>
+                </a:solidFill>
+                <a:latin typeface="Courier New" panose="02070309020205020404" pitchFamily="49" charset="0"/>
+                <a:cs typeface="Courier New" panose="02070309020205020404" pitchFamily="49" charset="0"/>
+              </a:rPr>
+              <a:t>foldLeft</a:t>
+            </a:r>
+            <a:r>
+              <a:rPr lang="sv-SE" sz="1200" dirty="0">
+                <a:solidFill>
+                  <a:srgbClr val="BA2121"/>
+                </a:solidFill>
+                <a:latin typeface="Courier New" panose="02070309020205020404" pitchFamily="49" charset="0"/>
+                <a:cs typeface="Courier New" panose="02070309020205020404" pitchFamily="49" charset="0"/>
+              </a:rPr>
+              <a:t>" </a:t>
+            </a:r>
+            <a:r>
+              <a:rPr lang="sv-SE" sz="1200" dirty="0">
+                <a:solidFill>
+                  <a:srgbClr val="666666"/>
+                </a:solidFill>
+                <a:latin typeface="Courier New" panose="02070309020205020404" pitchFamily="49" charset="0"/>
+                <a:cs typeface="Courier New" panose="02070309020205020404" pitchFamily="49" charset="0"/>
+              </a:rPr>
+              <a:t>+ </a:t>
+            </a:r>
+            <a:r>
+              <a:rPr lang="sv-SE" sz="1200" dirty="0" err="1">
+                <a:solidFill>
+                  <a:srgbClr val="666666"/>
+                </a:solidFill>
+                <a:latin typeface="Courier New" panose="02070309020205020404" pitchFamily="49" charset="0"/>
+                <a:cs typeface="Courier New" panose="02070309020205020404" pitchFamily="49" charset="0"/>
+              </a:rPr>
+              <a:t>numbers.foldLeft</a:t>
+            </a:r>
+            <a:r>
+              <a:rPr lang="sv-SE" sz="1200" dirty="0">
+                <a:solidFill>
+                  <a:srgbClr val="666666"/>
+                </a:solidFill>
+                <a:latin typeface="Courier New" panose="02070309020205020404" pitchFamily="49" charset="0"/>
+                <a:cs typeface="Courier New" panose="02070309020205020404" pitchFamily="49" charset="0"/>
+              </a:rPr>
+              <a:t>(0)((m</a:t>
+            </a:r>
+            <a:r>
+              <a:rPr lang="sv-SE" sz="1200" b="1" dirty="0">
+                <a:solidFill>
+                  <a:srgbClr val="008000"/>
+                </a:solidFill>
+                <a:latin typeface="Courier New" panose="02070309020205020404" pitchFamily="49" charset="0"/>
+                <a:cs typeface="Courier New" panose="02070309020205020404" pitchFamily="49" charset="0"/>
+              </a:rPr>
+              <a:t>: </a:t>
+            </a:r>
+            <a:r>
+              <a:rPr lang="sv-SE" sz="1200" b="1" dirty="0" err="1">
+                <a:solidFill>
+                  <a:srgbClr val="B00040"/>
+                </a:solidFill>
+                <a:latin typeface="Courier New" panose="02070309020205020404" pitchFamily="49" charset="0"/>
+                <a:cs typeface="Courier New" panose="02070309020205020404" pitchFamily="49" charset="0"/>
+              </a:rPr>
+              <a:t>Int</a:t>
+            </a:r>
+            <a:r>
+              <a:rPr lang="sv-SE" sz="1200" b="1" dirty="0">
+                <a:solidFill>
+                  <a:srgbClr val="666666"/>
+                </a:solidFill>
+                <a:latin typeface="Courier New" panose="02070309020205020404" pitchFamily="49" charset="0"/>
+                <a:cs typeface="Courier New" panose="02070309020205020404" pitchFamily="49" charset="0"/>
+              </a:rPr>
+              <a:t>, n</a:t>
+            </a:r>
+            <a:r>
+              <a:rPr lang="sv-SE" sz="1200" b="1" dirty="0">
+                <a:solidFill>
+                  <a:srgbClr val="008000"/>
+                </a:solidFill>
+                <a:latin typeface="Courier New" panose="02070309020205020404" pitchFamily="49" charset="0"/>
+                <a:cs typeface="Courier New" panose="02070309020205020404" pitchFamily="49" charset="0"/>
+              </a:rPr>
+              <a:t>: </a:t>
+            </a:r>
+            <a:r>
+              <a:rPr lang="sv-SE" sz="1200" b="1" dirty="0" err="1">
+                <a:solidFill>
+                  <a:srgbClr val="B00040"/>
+                </a:solidFill>
+                <a:latin typeface="Courier New" panose="02070309020205020404" pitchFamily="49" charset="0"/>
+                <a:cs typeface="Courier New" panose="02070309020205020404" pitchFamily="49" charset="0"/>
+              </a:rPr>
+              <a:t>Int</a:t>
+            </a:r>
+            <a:r>
+              <a:rPr lang="sv-SE" sz="1200" b="1" dirty="0">
+                <a:solidFill>
+                  <a:srgbClr val="666666"/>
+                </a:solidFill>
+                <a:latin typeface="Courier New" panose="02070309020205020404" pitchFamily="49" charset="0"/>
+                <a:cs typeface="Courier New" panose="02070309020205020404" pitchFamily="49" charset="0"/>
+              </a:rPr>
+              <a:t>) </a:t>
+            </a:r>
+            <a:r>
+              <a:rPr lang="sv-SE" sz="1200" b="1" dirty="0">
+                <a:solidFill>
+                  <a:srgbClr val="008000"/>
+                </a:solidFill>
+                <a:latin typeface="Courier New" panose="02070309020205020404" pitchFamily="49" charset="0"/>
+                <a:cs typeface="Courier New" panose="02070309020205020404" pitchFamily="49" charset="0"/>
+              </a:rPr>
+              <a:t>=&gt; m </a:t>
+            </a:r>
+            <a:r>
+              <a:rPr lang="sv-SE" sz="1200" b="1" dirty="0">
+                <a:solidFill>
+                  <a:srgbClr val="666666"/>
+                </a:solidFill>
+                <a:latin typeface="Courier New" panose="02070309020205020404" pitchFamily="49" charset="0"/>
+                <a:cs typeface="Courier New" panose="02070309020205020404" pitchFamily="49" charset="0"/>
+              </a:rPr>
+              <a:t>+ n))</a:t>
+            </a:r>
+          </a:p>
+          <a:p>
+            <a:endParaRPr lang="sv-SE" sz="1200" dirty="0">
+              <a:latin typeface="Courier New" panose="02070309020205020404" pitchFamily="49" charset="0"/>
+              <a:cs typeface="Courier New" panose="02070309020205020404" pitchFamily="49" charset="0"/>
+            </a:endParaRPr>
+          </a:p>
+          <a:p>
+            <a:r>
+              <a:rPr lang="en-US" sz="1200" dirty="0">
+                <a:latin typeface="Courier New" panose="02070309020205020404" pitchFamily="49" charset="0"/>
+                <a:cs typeface="Courier New" panose="02070309020205020404" pitchFamily="49" charset="0"/>
+              </a:rPr>
+              <a:t>  </a:t>
+            </a:r>
+            <a:r>
+              <a:rPr lang="en-US" sz="1200" i="1" dirty="0">
+                <a:solidFill>
+                  <a:srgbClr val="408080"/>
+                </a:solidFill>
+                <a:latin typeface="Courier New" panose="02070309020205020404" pitchFamily="49" charset="0"/>
+                <a:cs typeface="Courier New" panose="02070309020205020404" pitchFamily="49" charset="0"/>
+              </a:rPr>
+              <a:t>// </a:t>
+            </a:r>
+            <a:r>
+              <a:rPr lang="en-US" sz="1200" i="1" dirty="0" err="1">
+                <a:solidFill>
+                  <a:srgbClr val="408080"/>
+                </a:solidFill>
+                <a:latin typeface="Courier New" panose="02070309020205020404" pitchFamily="49" charset="0"/>
+                <a:cs typeface="Courier New" panose="02070309020205020404" pitchFamily="49" charset="0"/>
+              </a:rPr>
+              <a:t>foldRight</a:t>
+            </a:r>
+            <a:r>
+              <a:rPr lang="en-US" sz="1200" i="1" dirty="0">
+                <a:solidFill>
+                  <a:srgbClr val="408080"/>
+                </a:solidFill>
+                <a:latin typeface="Courier New" panose="02070309020205020404" pitchFamily="49" charset="0"/>
+                <a:cs typeface="Courier New" panose="02070309020205020404" pitchFamily="49" charset="0"/>
+              </a:rPr>
+              <a:t>, same as </a:t>
+            </a:r>
+            <a:r>
+              <a:rPr lang="en-US" sz="1200" i="1" dirty="0" err="1">
+                <a:solidFill>
+                  <a:srgbClr val="408080"/>
+                </a:solidFill>
+                <a:latin typeface="Courier New" panose="02070309020205020404" pitchFamily="49" charset="0"/>
+                <a:cs typeface="Courier New" panose="02070309020205020404" pitchFamily="49" charset="0"/>
+              </a:rPr>
+              <a:t>foldLeft</a:t>
+            </a:r>
+            <a:r>
+              <a:rPr lang="en-US" sz="1200" i="1" dirty="0">
+                <a:solidFill>
+                  <a:srgbClr val="408080"/>
+                </a:solidFill>
+                <a:latin typeface="Courier New" panose="02070309020205020404" pitchFamily="49" charset="0"/>
+                <a:cs typeface="Courier New" panose="02070309020205020404" pitchFamily="49" charset="0"/>
+              </a:rPr>
+              <a:t> but opposite direction</a:t>
+            </a:r>
+          </a:p>
+          <a:p>
+            <a:r>
+              <a:rPr lang="en-US" sz="1200" dirty="0">
+                <a:latin typeface="Courier New" panose="02070309020205020404" pitchFamily="49" charset="0"/>
+                <a:cs typeface="Courier New" panose="02070309020205020404" pitchFamily="49" charset="0"/>
+              </a:rPr>
+              <a:t>  </a:t>
+            </a:r>
+            <a:r>
+              <a:rPr lang="en-US" sz="1200" dirty="0" err="1">
+                <a:latin typeface="Courier New" panose="02070309020205020404" pitchFamily="49" charset="0"/>
+                <a:cs typeface="Courier New" panose="02070309020205020404" pitchFamily="49" charset="0"/>
+              </a:rPr>
+              <a:t>println</a:t>
+            </a:r>
+            <a:r>
+              <a:rPr lang="en-US" sz="1200" dirty="0">
+                <a:solidFill>
+                  <a:srgbClr val="666666"/>
+                </a:solidFill>
+                <a:latin typeface="Courier New" panose="02070309020205020404" pitchFamily="49" charset="0"/>
+                <a:cs typeface="Courier New" panose="02070309020205020404" pitchFamily="49" charset="0"/>
+              </a:rPr>
+              <a:t>(</a:t>
+            </a:r>
+            <a:r>
+              <a:rPr lang="en-US" sz="1200" dirty="0">
+                <a:solidFill>
+                  <a:srgbClr val="BA2121"/>
+                </a:solidFill>
+                <a:latin typeface="Courier New" panose="02070309020205020404" pitchFamily="49" charset="0"/>
+                <a:cs typeface="Courier New" panose="02070309020205020404" pitchFamily="49" charset="0"/>
+              </a:rPr>
+              <a:t>"</a:t>
+            </a:r>
+            <a:r>
+              <a:rPr lang="en-US" sz="1200" dirty="0" err="1">
+                <a:solidFill>
+                  <a:srgbClr val="BA2121"/>
+                </a:solidFill>
+                <a:latin typeface="Courier New" panose="02070309020205020404" pitchFamily="49" charset="0"/>
+                <a:cs typeface="Courier New" panose="02070309020205020404" pitchFamily="49" charset="0"/>
+              </a:rPr>
+              <a:t>foldRight</a:t>
+            </a:r>
+            <a:r>
+              <a:rPr lang="en-US" sz="1200" dirty="0">
+                <a:solidFill>
+                  <a:srgbClr val="BA2121"/>
+                </a:solidFill>
+                <a:latin typeface="Courier New" panose="02070309020205020404" pitchFamily="49" charset="0"/>
+                <a:cs typeface="Courier New" panose="02070309020205020404" pitchFamily="49" charset="0"/>
+              </a:rPr>
+              <a:t>" </a:t>
+            </a:r>
+            <a:r>
+              <a:rPr lang="en-US" sz="1200" dirty="0">
+                <a:solidFill>
+                  <a:srgbClr val="666666"/>
+                </a:solidFill>
+                <a:latin typeface="Courier New" panose="02070309020205020404" pitchFamily="49" charset="0"/>
+                <a:cs typeface="Courier New" panose="02070309020205020404" pitchFamily="49" charset="0"/>
+              </a:rPr>
+              <a:t>+ </a:t>
+            </a:r>
+            <a:r>
+              <a:rPr lang="en-US" sz="1200" dirty="0" err="1">
+                <a:solidFill>
+                  <a:srgbClr val="666666"/>
+                </a:solidFill>
+                <a:latin typeface="Courier New" panose="02070309020205020404" pitchFamily="49" charset="0"/>
+                <a:cs typeface="Courier New" panose="02070309020205020404" pitchFamily="49" charset="0"/>
+              </a:rPr>
+              <a:t>numbers.foldRight</a:t>
+            </a:r>
+            <a:r>
+              <a:rPr lang="en-US" sz="1200" dirty="0">
+                <a:solidFill>
+                  <a:srgbClr val="666666"/>
+                </a:solidFill>
+                <a:latin typeface="Courier New" panose="02070309020205020404" pitchFamily="49" charset="0"/>
+                <a:cs typeface="Courier New" panose="02070309020205020404" pitchFamily="49" charset="0"/>
+              </a:rPr>
+              <a:t>(0)((m</a:t>
+            </a:r>
+            <a:r>
+              <a:rPr lang="en-US" sz="1200" b="1" dirty="0">
+                <a:solidFill>
+                  <a:srgbClr val="008000"/>
+                </a:solidFill>
+                <a:latin typeface="Courier New" panose="02070309020205020404" pitchFamily="49" charset="0"/>
+                <a:cs typeface="Courier New" panose="02070309020205020404" pitchFamily="49" charset="0"/>
+              </a:rPr>
+              <a:t>: </a:t>
+            </a:r>
+            <a:r>
+              <a:rPr lang="en-US" sz="1200" b="1" dirty="0" err="1">
+                <a:solidFill>
+                  <a:srgbClr val="B00040"/>
+                </a:solidFill>
+                <a:latin typeface="Courier New" panose="02070309020205020404" pitchFamily="49" charset="0"/>
+                <a:cs typeface="Courier New" panose="02070309020205020404" pitchFamily="49" charset="0"/>
+              </a:rPr>
+              <a:t>Int</a:t>
+            </a:r>
+            <a:r>
+              <a:rPr lang="en-US" sz="1200" b="1" dirty="0">
+                <a:solidFill>
+                  <a:srgbClr val="666666"/>
+                </a:solidFill>
+                <a:latin typeface="Courier New" panose="02070309020205020404" pitchFamily="49" charset="0"/>
+                <a:cs typeface="Courier New" panose="02070309020205020404" pitchFamily="49" charset="0"/>
+              </a:rPr>
+              <a:t>, n</a:t>
+            </a:r>
+            <a:r>
+              <a:rPr lang="en-US" sz="1200" b="1" dirty="0">
+                <a:solidFill>
+                  <a:srgbClr val="008000"/>
+                </a:solidFill>
+                <a:latin typeface="Courier New" panose="02070309020205020404" pitchFamily="49" charset="0"/>
+                <a:cs typeface="Courier New" panose="02070309020205020404" pitchFamily="49" charset="0"/>
+              </a:rPr>
+              <a:t>: </a:t>
+            </a:r>
+            <a:r>
+              <a:rPr lang="en-US" sz="1200" b="1" dirty="0" err="1">
+                <a:solidFill>
+                  <a:srgbClr val="B00040"/>
+                </a:solidFill>
+                <a:latin typeface="Courier New" panose="02070309020205020404" pitchFamily="49" charset="0"/>
+                <a:cs typeface="Courier New" panose="02070309020205020404" pitchFamily="49" charset="0"/>
+              </a:rPr>
+              <a:t>Int</a:t>
+            </a:r>
+            <a:r>
+              <a:rPr lang="en-US" sz="1200" b="1" dirty="0">
+                <a:solidFill>
+                  <a:srgbClr val="666666"/>
+                </a:solidFill>
+                <a:latin typeface="Courier New" panose="02070309020205020404" pitchFamily="49" charset="0"/>
+                <a:cs typeface="Courier New" panose="02070309020205020404" pitchFamily="49" charset="0"/>
+              </a:rPr>
+              <a:t>) </a:t>
+            </a:r>
+            <a:r>
+              <a:rPr lang="en-US" sz="1200" b="1" dirty="0">
+                <a:solidFill>
+                  <a:srgbClr val="008000"/>
+                </a:solidFill>
+                <a:latin typeface="Courier New" panose="02070309020205020404" pitchFamily="49" charset="0"/>
+                <a:cs typeface="Courier New" panose="02070309020205020404" pitchFamily="49" charset="0"/>
+              </a:rPr>
+              <a:t>=&gt; m </a:t>
+            </a:r>
+            <a:r>
+              <a:rPr lang="en-US" sz="1200" b="1" dirty="0">
+                <a:solidFill>
+                  <a:srgbClr val="666666"/>
+                </a:solidFill>
+                <a:latin typeface="Courier New" panose="02070309020205020404" pitchFamily="49" charset="0"/>
+                <a:cs typeface="Courier New" panose="02070309020205020404" pitchFamily="49" charset="0"/>
+              </a:rPr>
+              <a:t>+ n))</a:t>
+            </a:r>
+          </a:p>
+          <a:p>
+            <a:endParaRPr lang="sv-SE" sz="1200" dirty="0">
+              <a:latin typeface="Courier New" panose="02070309020205020404" pitchFamily="49" charset="0"/>
+              <a:cs typeface="Courier New" panose="02070309020205020404" pitchFamily="49" charset="0"/>
+            </a:endParaRPr>
+          </a:p>
+          <a:p>
+            <a:r>
+              <a:rPr lang="en-US" sz="1200" dirty="0">
+                <a:latin typeface="Courier New" panose="02070309020205020404" pitchFamily="49" charset="0"/>
+                <a:cs typeface="Courier New" panose="02070309020205020404" pitchFamily="49" charset="0"/>
+              </a:rPr>
+              <a:t>  </a:t>
+            </a:r>
+            <a:r>
+              <a:rPr lang="en-US" sz="1200" i="1" dirty="0">
+                <a:solidFill>
+                  <a:srgbClr val="408080"/>
+                </a:solidFill>
+                <a:latin typeface="Courier New" panose="02070309020205020404" pitchFamily="49" charset="0"/>
+                <a:cs typeface="Courier New" panose="02070309020205020404" pitchFamily="49" charset="0"/>
+              </a:rPr>
+              <a:t>// flatten collapses one level of nested structure</a:t>
+            </a:r>
+          </a:p>
+          <a:p>
+            <a:r>
+              <a:rPr lang="sv-SE" sz="1200" dirty="0">
+                <a:latin typeface="Courier New" panose="02070309020205020404" pitchFamily="49" charset="0"/>
+                <a:cs typeface="Courier New" panose="02070309020205020404" pitchFamily="49" charset="0"/>
+              </a:rPr>
+              <a:t>  </a:t>
+            </a:r>
+            <a:r>
+              <a:rPr lang="sv-SE" sz="1200" dirty="0" err="1">
+                <a:latin typeface="Courier New" panose="02070309020205020404" pitchFamily="49" charset="0"/>
+                <a:cs typeface="Courier New" panose="02070309020205020404" pitchFamily="49" charset="0"/>
+              </a:rPr>
+              <a:t>println</a:t>
+            </a:r>
+            <a:r>
+              <a:rPr lang="sv-SE" sz="1200" dirty="0">
+                <a:solidFill>
+                  <a:srgbClr val="666666"/>
+                </a:solidFill>
+                <a:latin typeface="Courier New" panose="02070309020205020404" pitchFamily="49" charset="0"/>
+                <a:cs typeface="Courier New" panose="02070309020205020404" pitchFamily="49" charset="0"/>
+              </a:rPr>
+              <a:t>(</a:t>
+            </a:r>
+            <a:r>
+              <a:rPr lang="sv-SE" sz="1200" dirty="0">
+                <a:solidFill>
+                  <a:srgbClr val="BA2121"/>
+                </a:solidFill>
+                <a:latin typeface="Courier New" panose="02070309020205020404" pitchFamily="49" charset="0"/>
+                <a:cs typeface="Courier New" panose="02070309020205020404" pitchFamily="49" charset="0"/>
+              </a:rPr>
+              <a:t>"flat" </a:t>
+            </a:r>
+            <a:r>
+              <a:rPr lang="sv-SE" sz="1200" dirty="0">
+                <a:solidFill>
+                  <a:srgbClr val="666666"/>
+                </a:solidFill>
+                <a:latin typeface="Courier New" panose="02070309020205020404" pitchFamily="49" charset="0"/>
+                <a:cs typeface="Courier New" panose="02070309020205020404" pitchFamily="49" charset="0"/>
+              </a:rPr>
+              <a:t>+ </a:t>
+            </a:r>
+            <a:r>
+              <a:rPr lang="sv-SE" sz="1200" b="1" dirty="0">
+                <a:solidFill>
+                  <a:srgbClr val="0000FF"/>
+                </a:solidFill>
+                <a:latin typeface="Courier New" panose="02070309020205020404" pitchFamily="49" charset="0"/>
+                <a:cs typeface="Courier New" panose="02070309020205020404" pitchFamily="49" charset="0"/>
+              </a:rPr>
+              <a:t>List</a:t>
+            </a:r>
+            <a:r>
+              <a:rPr lang="sv-SE" sz="1200" b="1" dirty="0">
+                <a:solidFill>
+                  <a:srgbClr val="666666"/>
+                </a:solidFill>
+                <a:latin typeface="Courier New" panose="02070309020205020404" pitchFamily="49" charset="0"/>
+                <a:cs typeface="Courier New" panose="02070309020205020404" pitchFamily="49" charset="0"/>
+              </a:rPr>
+              <a:t>(</a:t>
+            </a:r>
+            <a:r>
+              <a:rPr lang="sv-SE" sz="1200" b="1" dirty="0">
+                <a:solidFill>
+                  <a:srgbClr val="0000FF"/>
+                </a:solidFill>
+                <a:latin typeface="Courier New" panose="02070309020205020404" pitchFamily="49" charset="0"/>
+                <a:cs typeface="Courier New" panose="02070309020205020404" pitchFamily="49" charset="0"/>
+              </a:rPr>
+              <a:t>List</a:t>
+            </a:r>
+            <a:r>
+              <a:rPr lang="sv-SE" sz="1200" b="1" dirty="0">
+                <a:solidFill>
+                  <a:srgbClr val="666666"/>
+                </a:solidFill>
+                <a:latin typeface="Courier New" panose="02070309020205020404" pitchFamily="49" charset="0"/>
+                <a:cs typeface="Courier New" panose="02070309020205020404" pitchFamily="49" charset="0"/>
+              </a:rPr>
+              <a:t>(1, 2), </a:t>
+            </a:r>
+            <a:r>
+              <a:rPr lang="sv-SE" sz="1200" b="1" dirty="0">
+                <a:solidFill>
+                  <a:srgbClr val="0000FF"/>
+                </a:solidFill>
+                <a:latin typeface="Courier New" panose="02070309020205020404" pitchFamily="49" charset="0"/>
+                <a:cs typeface="Courier New" panose="02070309020205020404" pitchFamily="49" charset="0"/>
+              </a:rPr>
+              <a:t>List</a:t>
+            </a:r>
+            <a:r>
+              <a:rPr lang="sv-SE" sz="1200" b="1" dirty="0">
+                <a:solidFill>
+                  <a:srgbClr val="666666"/>
+                </a:solidFill>
+                <a:latin typeface="Courier New" panose="02070309020205020404" pitchFamily="49" charset="0"/>
+                <a:cs typeface="Courier New" panose="02070309020205020404" pitchFamily="49" charset="0"/>
+              </a:rPr>
+              <a:t>(3, 4)).</a:t>
+            </a:r>
+            <a:r>
+              <a:rPr lang="sv-SE" sz="1200" b="1" dirty="0" err="1">
+                <a:solidFill>
+                  <a:srgbClr val="666666"/>
+                </a:solidFill>
+                <a:latin typeface="Courier New" panose="02070309020205020404" pitchFamily="49" charset="0"/>
+                <a:cs typeface="Courier New" panose="02070309020205020404" pitchFamily="49" charset="0"/>
+              </a:rPr>
+              <a:t>flatten</a:t>
+            </a:r>
+            <a:r>
+              <a:rPr lang="sv-SE" sz="1200" b="1" dirty="0">
+                <a:solidFill>
+                  <a:srgbClr val="666666"/>
+                </a:solidFill>
+                <a:latin typeface="Courier New" panose="02070309020205020404" pitchFamily="49" charset="0"/>
+                <a:cs typeface="Courier New" panose="02070309020205020404" pitchFamily="49" charset="0"/>
+              </a:rPr>
+              <a:t>)</a:t>
+            </a:r>
+          </a:p>
+          <a:p>
+            <a:endParaRPr lang="sv-SE" sz="1200" dirty="0">
+              <a:latin typeface="Courier New" panose="02070309020205020404" pitchFamily="49" charset="0"/>
+              <a:cs typeface="Courier New" panose="02070309020205020404" pitchFamily="49" charset="0"/>
+            </a:endParaRPr>
+          </a:p>
+          <a:p>
+            <a:r>
+              <a:rPr lang="en-US" sz="1200" dirty="0">
+                <a:latin typeface="Courier New" panose="02070309020205020404" pitchFamily="49" charset="0"/>
+                <a:cs typeface="Courier New" panose="02070309020205020404" pitchFamily="49" charset="0"/>
+              </a:rPr>
+              <a:t>  </a:t>
+            </a:r>
+            <a:r>
+              <a:rPr lang="en-US" sz="1200" i="1" dirty="0">
+                <a:solidFill>
+                  <a:srgbClr val="408080"/>
+                </a:solidFill>
+                <a:latin typeface="Courier New" panose="02070309020205020404" pitchFamily="49" charset="0"/>
+                <a:cs typeface="Courier New" panose="02070309020205020404" pitchFamily="49" charset="0"/>
+              </a:rPr>
+              <a:t>// </a:t>
+            </a:r>
+            <a:r>
+              <a:rPr lang="en-US" sz="1200" i="1" dirty="0" err="1">
+                <a:solidFill>
+                  <a:srgbClr val="408080"/>
+                </a:solidFill>
+                <a:latin typeface="Courier New" panose="02070309020205020404" pitchFamily="49" charset="0"/>
+                <a:cs typeface="Courier New" panose="02070309020205020404" pitchFamily="49" charset="0"/>
+              </a:rPr>
+              <a:t>flatMap</a:t>
+            </a:r>
+            <a:r>
+              <a:rPr lang="en-US" sz="1200" i="1" dirty="0">
+                <a:solidFill>
+                  <a:srgbClr val="408080"/>
+                </a:solidFill>
+                <a:latin typeface="Courier New" panose="02070309020205020404" pitchFamily="49" charset="0"/>
+                <a:cs typeface="Courier New" panose="02070309020205020404" pitchFamily="49" charset="0"/>
+              </a:rPr>
+              <a:t> combines mapping and flattening</a:t>
+            </a:r>
+          </a:p>
+          <a:p>
+            <a:r>
+              <a:rPr lang="sv-SE" sz="1200" dirty="0">
+                <a:latin typeface="Courier New" panose="02070309020205020404" pitchFamily="49" charset="0"/>
+                <a:cs typeface="Courier New" panose="02070309020205020404" pitchFamily="49" charset="0"/>
+              </a:rPr>
+              <a:t>  </a:t>
+            </a:r>
+            <a:r>
+              <a:rPr lang="sv-SE" sz="1200" dirty="0" err="1">
+                <a:latin typeface="Courier New" panose="02070309020205020404" pitchFamily="49" charset="0"/>
+                <a:cs typeface="Courier New" panose="02070309020205020404" pitchFamily="49" charset="0"/>
+              </a:rPr>
+              <a:t>println</a:t>
+            </a:r>
+            <a:r>
+              <a:rPr lang="sv-SE" sz="1200" dirty="0">
+                <a:solidFill>
+                  <a:srgbClr val="666666"/>
+                </a:solidFill>
+                <a:latin typeface="Courier New" panose="02070309020205020404" pitchFamily="49" charset="0"/>
+                <a:cs typeface="Courier New" panose="02070309020205020404" pitchFamily="49" charset="0"/>
+              </a:rPr>
+              <a:t>(</a:t>
+            </a:r>
+            <a:r>
+              <a:rPr lang="sv-SE" sz="1200" dirty="0">
+                <a:solidFill>
+                  <a:srgbClr val="BA2121"/>
+                </a:solidFill>
+                <a:latin typeface="Courier New" panose="02070309020205020404" pitchFamily="49" charset="0"/>
+                <a:cs typeface="Courier New" panose="02070309020205020404" pitchFamily="49" charset="0"/>
+              </a:rPr>
+              <a:t>"</a:t>
+            </a:r>
+            <a:r>
+              <a:rPr lang="sv-SE" sz="1200" dirty="0" err="1">
+                <a:solidFill>
+                  <a:srgbClr val="BA2121"/>
+                </a:solidFill>
+                <a:latin typeface="Courier New" panose="02070309020205020404" pitchFamily="49" charset="0"/>
+                <a:cs typeface="Courier New" panose="02070309020205020404" pitchFamily="49" charset="0"/>
+              </a:rPr>
+              <a:t>flatMap</a:t>
+            </a:r>
+            <a:r>
+              <a:rPr lang="sv-SE" sz="1200" dirty="0">
+                <a:solidFill>
+                  <a:srgbClr val="BA2121"/>
+                </a:solidFill>
+                <a:latin typeface="Courier New" panose="02070309020205020404" pitchFamily="49" charset="0"/>
+                <a:cs typeface="Courier New" panose="02070309020205020404" pitchFamily="49" charset="0"/>
+              </a:rPr>
+              <a:t>" </a:t>
+            </a:r>
+            <a:r>
+              <a:rPr lang="sv-SE" sz="1200" dirty="0">
+                <a:solidFill>
+                  <a:srgbClr val="666666"/>
+                </a:solidFill>
+                <a:latin typeface="Courier New" panose="02070309020205020404" pitchFamily="49" charset="0"/>
+                <a:cs typeface="Courier New" panose="02070309020205020404" pitchFamily="49" charset="0"/>
+              </a:rPr>
+              <a:t>+ </a:t>
+            </a:r>
+            <a:r>
+              <a:rPr lang="sv-SE" sz="1200" b="1" dirty="0">
+                <a:solidFill>
+                  <a:srgbClr val="0000FF"/>
+                </a:solidFill>
+                <a:latin typeface="Courier New" panose="02070309020205020404" pitchFamily="49" charset="0"/>
+                <a:cs typeface="Courier New" panose="02070309020205020404" pitchFamily="49" charset="0"/>
+              </a:rPr>
+              <a:t>List</a:t>
+            </a:r>
+            <a:r>
+              <a:rPr lang="sv-SE" sz="1200" b="1" dirty="0">
+                <a:solidFill>
+                  <a:srgbClr val="666666"/>
+                </a:solidFill>
+                <a:latin typeface="Courier New" panose="02070309020205020404" pitchFamily="49" charset="0"/>
+                <a:cs typeface="Courier New" panose="02070309020205020404" pitchFamily="49" charset="0"/>
+              </a:rPr>
+              <a:t>(</a:t>
+            </a:r>
+            <a:r>
+              <a:rPr lang="sv-SE" sz="1200" b="1" dirty="0">
+                <a:solidFill>
+                  <a:srgbClr val="0000FF"/>
+                </a:solidFill>
+                <a:latin typeface="Courier New" panose="02070309020205020404" pitchFamily="49" charset="0"/>
+                <a:cs typeface="Courier New" panose="02070309020205020404" pitchFamily="49" charset="0"/>
+              </a:rPr>
+              <a:t>List</a:t>
+            </a:r>
+            <a:r>
+              <a:rPr lang="sv-SE" sz="1200" b="1" dirty="0">
+                <a:solidFill>
+                  <a:srgbClr val="666666"/>
+                </a:solidFill>
+                <a:latin typeface="Courier New" panose="02070309020205020404" pitchFamily="49" charset="0"/>
+                <a:cs typeface="Courier New" panose="02070309020205020404" pitchFamily="49" charset="0"/>
+              </a:rPr>
+              <a:t>(1, 2), </a:t>
+            </a:r>
+            <a:r>
+              <a:rPr lang="sv-SE" sz="1200" b="1" dirty="0">
+                <a:solidFill>
+                  <a:srgbClr val="0000FF"/>
+                </a:solidFill>
+                <a:latin typeface="Courier New" panose="02070309020205020404" pitchFamily="49" charset="0"/>
+                <a:cs typeface="Courier New" panose="02070309020205020404" pitchFamily="49" charset="0"/>
+              </a:rPr>
+              <a:t>List</a:t>
+            </a:r>
+            <a:r>
+              <a:rPr lang="sv-SE" sz="1200" b="1" dirty="0">
+                <a:solidFill>
+                  <a:srgbClr val="666666"/>
+                </a:solidFill>
+                <a:latin typeface="Courier New" panose="02070309020205020404" pitchFamily="49" charset="0"/>
+                <a:cs typeface="Courier New" panose="02070309020205020404" pitchFamily="49" charset="0"/>
+              </a:rPr>
+              <a:t>(3, 4)).</a:t>
+            </a:r>
+            <a:r>
+              <a:rPr lang="sv-SE" sz="1200" b="1" dirty="0" err="1">
+                <a:solidFill>
+                  <a:srgbClr val="666666"/>
+                </a:solidFill>
+                <a:latin typeface="Courier New" panose="02070309020205020404" pitchFamily="49" charset="0"/>
+                <a:cs typeface="Courier New" panose="02070309020205020404" pitchFamily="49" charset="0"/>
+              </a:rPr>
+              <a:t>flatMap</a:t>
+            </a:r>
+            <a:r>
+              <a:rPr lang="sv-SE" sz="1200" b="1" dirty="0">
+                <a:solidFill>
+                  <a:srgbClr val="666666"/>
+                </a:solidFill>
+                <a:latin typeface="Courier New" panose="02070309020205020404" pitchFamily="49" charset="0"/>
+                <a:cs typeface="Courier New" panose="02070309020205020404" pitchFamily="49" charset="0"/>
+              </a:rPr>
+              <a:t>(x </a:t>
+            </a:r>
+            <a:r>
+              <a:rPr lang="sv-SE" sz="1200" b="1" dirty="0">
+                <a:solidFill>
+                  <a:srgbClr val="008000"/>
+                </a:solidFill>
+                <a:latin typeface="Courier New" panose="02070309020205020404" pitchFamily="49" charset="0"/>
+                <a:cs typeface="Courier New" panose="02070309020205020404" pitchFamily="49" charset="0"/>
+              </a:rPr>
+              <a:t>=&gt; </a:t>
+            </a:r>
+            <a:r>
+              <a:rPr lang="sv-SE" sz="1200" b="1" dirty="0" err="1">
+                <a:solidFill>
+                  <a:srgbClr val="008000"/>
+                </a:solidFill>
+                <a:latin typeface="Courier New" panose="02070309020205020404" pitchFamily="49" charset="0"/>
+                <a:cs typeface="Courier New" panose="02070309020205020404" pitchFamily="49" charset="0"/>
+              </a:rPr>
+              <a:t>x</a:t>
+            </a:r>
+            <a:r>
+              <a:rPr lang="sv-SE" sz="1200" b="1" dirty="0" err="1">
+                <a:solidFill>
+                  <a:srgbClr val="666666"/>
+                </a:solidFill>
+                <a:latin typeface="Courier New" panose="02070309020205020404" pitchFamily="49" charset="0"/>
+                <a:cs typeface="Courier New" panose="02070309020205020404" pitchFamily="49" charset="0"/>
+              </a:rPr>
+              <a:t>.map</a:t>
+            </a:r>
+            <a:r>
+              <a:rPr lang="sv-SE" sz="1200" b="1" dirty="0">
+                <a:solidFill>
+                  <a:srgbClr val="666666"/>
+                </a:solidFill>
+                <a:latin typeface="Courier New" panose="02070309020205020404" pitchFamily="49" charset="0"/>
+                <a:cs typeface="Courier New" panose="02070309020205020404" pitchFamily="49" charset="0"/>
+              </a:rPr>
+              <a:t>(</a:t>
+            </a:r>
+            <a:r>
+              <a:rPr lang="sv-SE" sz="1200" b="1" dirty="0">
+                <a:solidFill>
+                  <a:srgbClr val="008000"/>
+                </a:solidFill>
+                <a:latin typeface="Courier New" panose="02070309020205020404" pitchFamily="49" charset="0"/>
+                <a:cs typeface="Courier New" panose="02070309020205020404" pitchFamily="49" charset="0"/>
+              </a:rPr>
+              <a:t>_ </a:t>
+            </a:r>
+            <a:r>
+              <a:rPr lang="sv-SE" sz="1200" b="1" dirty="0">
+                <a:solidFill>
+                  <a:srgbClr val="666666"/>
+                </a:solidFill>
+                <a:latin typeface="Courier New" panose="02070309020205020404" pitchFamily="49" charset="0"/>
+                <a:cs typeface="Courier New" panose="02070309020205020404" pitchFamily="49" charset="0"/>
+              </a:rPr>
+              <a:t>* 2)))</a:t>
+            </a:r>
+          </a:p>
+          <a:p>
+            <a:r>
+              <a:rPr lang="sv-SE" sz="1200" dirty="0">
+                <a:solidFill>
+                  <a:srgbClr val="666666"/>
+                </a:solidFill>
+                <a:latin typeface="Courier New" panose="02070309020205020404" pitchFamily="49" charset="0"/>
+                <a:cs typeface="Courier New" panose="02070309020205020404" pitchFamily="49" charset="0"/>
+              </a:rPr>
+              <a:t>}</a:t>
+            </a:r>
+          </a:p>
+        </p:txBody>
+      </p:sp>
+    </p:spTree>
+    <p:extLst>
+      <p:ext uri="{BB962C8B-B14F-4D97-AF65-F5344CB8AC3E}">
+        <p14:creationId xmlns:p14="http://schemas.microsoft.com/office/powerpoint/2010/main" val="3996556235"/>
       </p:ext>
     </p:extLst>
   </p:cSld>

--- a/doc/Scala intermediate.pptx
+++ b/doc/Scala intermediate.pptx
@@ -173,7 +173,7 @@
   </p:defaultTextStyle>
   <p:extLst>
     <p:ext uri="{EFAFB233-063F-42B5-8137-9DF3F51BA10A}">
-      <p15:sldGuideLst xmlns:p15="http://schemas.microsoft.com/office/powerpoint/2012/main">
+      <p15:sldGuideLst xmlns:p15="http://schemas.microsoft.com/office/powerpoint/2012/main" xmlns="">
         <p15:guide id="1" orient="horz" pos="2160">
           <p15:clr>
             <a:srgbClr val="A4A3A4"/>
@@ -187,7 +187,7 @@
       </p15:sldGuideLst>
     </p:ext>
     <p:ext uri="{2D200454-40CA-4A62-9FC3-DE9A4176ACB9}">
-      <p15:notesGuideLst xmlns:p15="http://schemas.microsoft.com/office/powerpoint/2012/main"/>
+      <p15:notesGuideLst xmlns:p15="http://schemas.microsoft.com/office/powerpoint/2012/main" xmlns=""/>
     </p:ext>
   </p:extLst>
 </p:presentation>
@@ -302,7 +302,7 @@
               <a:pPr>
                 <a:defRPr/>
               </a:pPr>
-              <a:t>5/2/2014</a:t>
+              <a:t>2014-05-05</a:t>
             </a:fld>
             <a:endParaRPr lang="en-US"/>
           </a:p>
@@ -521,7 +521,7 @@
               <a:pPr>
                 <a:defRPr/>
               </a:pPr>
-              <a:t>5/2/2014</a:t>
+              <a:t>2014-05-05</a:t>
             </a:fld>
             <a:endParaRPr lang="en-US"/>
           </a:p>
@@ -3697,7 +3697,7 @@
               <a:pPr>
                 <a:defRPr/>
               </a:pPr>
-              <a:t>5/2/2014</a:t>
+              <a:t>2014-05-05</a:t>
             </a:fld>
             <a:endParaRPr lang="en-US"/>
           </a:p>
@@ -3855,7 +3855,7 @@
               <a:pPr>
                 <a:defRPr/>
               </a:pPr>
-              <a:t>5/2/2014</a:t>
+              <a:t>2014-05-05</a:t>
             </a:fld>
             <a:endParaRPr lang="en-US"/>
           </a:p>
@@ -4169,7 +4169,7 @@
               <a:pPr>
                 <a:defRPr/>
               </a:pPr>
-              <a:t>5/2/2014</a:t>
+              <a:t>2014-05-05</a:t>
             </a:fld>
             <a:endParaRPr lang="en-US"/>
           </a:p>
@@ -4629,7 +4629,7 @@
               <a:pPr>
                 <a:defRPr/>
               </a:pPr>
-              <a:t>5/2/2014</a:t>
+              <a:t>2014-05-05</a:t>
             </a:fld>
             <a:endParaRPr lang="en-US"/>
           </a:p>
@@ -4769,7 +4769,7 @@
               <a:pPr>
                 <a:defRPr/>
               </a:pPr>
-              <a:t>5/2/2014</a:t>
+              <a:t>2014-05-05</a:t>
             </a:fld>
             <a:endParaRPr lang="en-US"/>
           </a:p>
@@ -4961,7 +4961,7 @@
               <a:pPr>
                 <a:defRPr/>
               </a:pPr>
-              <a:t>5/2/2014</a:t>
+              <a:t>2014-05-05</a:t>
             </a:fld>
             <a:endParaRPr lang="en-US"/>
           </a:p>
@@ -5275,7 +5275,7 @@
               <a:pPr>
                 <a:defRPr/>
               </a:pPr>
-              <a:t>5/2/2014</a:t>
+              <a:t>2014-05-05</a:t>
             </a:fld>
             <a:endParaRPr lang="en-US"/>
           </a:p>
@@ -5735,7 +5735,7 @@
               <a:pPr>
                 <a:defRPr/>
               </a:pPr>
-              <a:t>5/2/2014</a:t>
+              <a:t>2014-05-05</a:t>
             </a:fld>
             <a:endParaRPr lang="en-US"/>
           </a:p>
@@ -5875,7 +5875,7 @@
               <a:pPr>
                 <a:defRPr/>
               </a:pPr>
-              <a:t>5/2/2014</a:t>
+              <a:t>2014-05-05</a:t>
             </a:fld>
             <a:endParaRPr lang="en-US"/>
           </a:p>
@@ -6067,7 +6067,7 @@
               <a:pPr>
                 <a:defRPr/>
               </a:pPr>
-              <a:t>5/2/2014</a:t>
+              <a:t>2014-05-05</a:t>
             </a:fld>
             <a:endParaRPr lang="en-US"/>
           </a:p>
@@ -6373,7 +6373,7 @@
               <a:pPr>
                 <a:defRPr/>
               </a:pPr>
-              <a:t>5/2/2014</a:t>
+              <a:t>2014-05-05</a:t>
             </a:fld>
             <a:endParaRPr lang="en-US"/>
           </a:p>
@@ -6628,7 +6628,7 @@
               <a:pPr>
                 <a:defRPr/>
               </a:pPr>
-              <a:t>5/2/2014</a:t>
+              <a:t>2014-05-05</a:t>
             </a:fld>
             <a:endParaRPr lang="en-US"/>
           </a:p>
@@ -7088,7 +7088,7 @@
               <a:pPr>
                 <a:defRPr/>
               </a:pPr>
-              <a:t>5/2/2014</a:t>
+              <a:t>2014-05-05</a:t>
             </a:fld>
             <a:endParaRPr lang="en-US"/>
           </a:p>
@@ -7228,7 +7228,7 @@
               <a:pPr>
                 <a:defRPr/>
               </a:pPr>
-              <a:t>5/2/2014</a:t>
+              <a:t>2014-05-05</a:t>
             </a:fld>
             <a:endParaRPr lang="en-US"/>
           </a:p>
@@ -7420,7 +7420,7 @@
               <a:pPr>
                 <a:defRPr/>
               </a:pPr>
-              <a:t>5/2/2014</a:t>
+              <a:t>2014-05-05</a:t>
             </a:fld>
             <a:endParaRPr lang="en-US"/>
           </a:p>
@@ -7734,7 +7734,7 @@
               <a:pPr>
                 <a:defRPr/>
               </a:pPr>
-              <a:t>5/2/2014</a:t>
+              <a:t>2014-05-05</a:t>
             </a:fld>
             <a:endParaRPr lang="en-US"/>
           </a:p>
@@ -8194,7 +8194,7 @@
               <a:pPr>
                 <a:defRPr/>
               </a:pPr>
-              <a:t>5/2/2014</a:t>
+              <a:t>2014-05-05</a:t>
             </a:fld>
             <a:endParaRPr lang="en-US"/>
           </a:p>
@@ -8334,7 +8334,7 @@
               <a:pPr>
                 <a:defRPr/>
               </a:pPr>
-              <a:t>5/2/2014</a:t>
+              <a:t>2014-05-05</a:t>
             </a:fld>
             <a:endParaRPr lang="en-US"/>
           </a:p>
@@ -8526,7 +8526,7 @@
               <a:pPr>
                 <a:defRPr/>
               </a:pPr>
-              <a:t>5/2/2014</a:t>
+              <a:t>2014-05-05</a:t>
             </a:fld>
             <a:endParaRPr lang="en-US"/>
           </a:p>
@@ -8840,7 +8840,7 @@
               <a:pPr>
                 <a:defRPr/>
               </a:pPr>
-              <a:t>5/2/2014</a:t>
+              <a:t>2014-05-05</a:t>
             </a:fld>
             <a:endParaRPr lang="en-US"/>
           </a:p>
@@ -9300,7 +9300,7 @@
               <a:pPr>
                 <a:defRPr/>
               </a:pPr>
-              <a:t>5/2/2014</a:t>
+              <a:t>2014-05-05</a:t>
             </a:fld>
             <a:endParaRPr lang="en-US"/>
           </a:p>
@@ -9654,7 +9654,7 @@
               <a:pPr>
                 <a:defRPr/>
               </a:pPr>
-              <a:t>5/2/2014</a:t>
+              <a:t>2014-05-05</a:t>
             </a:fld>
             <a:endParaRPr lang="en-US"/>
           </a:p>
@@ -11322,7 +11322,7 @@
               <a:pPr>
                 <a:defRPr/>
               </a:pPr>
-              <a:t>5/2/2014</a:t>
+              <a:t>2014-05-05</a:t>
             </a:fld>
             <a:endParaRPr lang="en-US"/>
           </a:p>
@@ -11445,7 +11445,7 @@
   <p:timing>
     <p:tnLst>
       <p:par>
-        <p:cTn id="1" dur="indefinite" restart="never" nodeType="tmRoot"/>
+        <p:cTn xmlns:p14="http://schemas.microsoft.com/office/powerpoint/2010/main" id="1" dur="indefinite" restart="never" nodeType="tmRoot"/>
       </p:par>
     </p:tnLst>
   </p:timing>
@@ -12062,7 +12062,7 @@
               <a:pPr>
                 <a:defRPr/>
               </a:pPr>
-              <a:t>5/2/2014</a:t>
+              <a:t>2014-05-05</a:t>
             </a:fld>
             <a:endParaRPr lang="en-US"/>
           </a:p>
@@ -12179,7 +12179,7 @@
   <p:timing>
     <p:tnLst>
       <p:par>
-        <p:cTn id="1" dur="indefinite" restart="never" nodeType="tmRoot"/>
+        <p:cTn xmlns:p14="http://schemas.microsoft.com/office/powerpoint/2010/main" id="1" dur="indefinite" restart="never" nodeType="tmRoot"/>
       </p:par>
     </p:tnLst>
   </p:timing>
@@ -12764,7 +12764,7 @@
               <a:pPr>
                 <a:defRPr/>
               </a:pPr>
-              <a:t>5/2/2014</a:t>
+              <a:t>2014-05-05</a:t>
             </a:fld>
             <a:endParaRPr lang="en-US"/>
           </a:p>
@@ -12885,7 +12885,7 @@
   <p:timing>
     <p:tnLst>
       <p:par>
-        <p:cTn id="1" dur="indefinite" restart="never" nodeType="tmRoot"/>
+        <p:cTn xmlns:p14="http://schemas.microsoft.com/office/powerpoint/2010/main" id="1" dur="indefinite" restart="never" nodeType="tmRoot"/>
       </p:par>
     </p:tnLst>
   </p:timing>
@@ -13534,7 +13534,7 @@
               <a:pPr>
                 <a:defRPr/>
               </a:pPr>
-              <a:t>5/2/2014</a:t>
+              <a:t>2014-05-05</a:t>
             </a:fld>
             <a:endParaRPr lang="en-US"/>
           </a:p>
@@ -13653,7 +13653,7 @@
   <p:timing>
     <p:tnLst>
       <p:par>
-        <p:cTn id="1" dur="indefinite" restart="never" nodeType="tmRoot"/>
+        <p:cTn xmlns:p14="http://schemas.microsoft.com/office/powerpoint/2010/main" id="1" dur="indefinite" restart="never" nodeType="tmRoot"/>
       </p:par>
     </p:tnLst>
   </p:timing>
@@ -14302,7 +14302,7 @@
               <a:pPr>
                 <a:defRPr/>
               </a:pPr>
-              <a:t>5/2/2014</a:t>
+              <a:t>2014-05-05</a:t>
             </a:fld>
             <a:endParaRPr lang="en-US"/>
           </a:p>
@@ -14421,7 +14421,7 @@
   <p:timing>
     <p:tnLst>
       <p:par>
-        <p:cTn id="1" dur="indefinite" restart="never" nodeType="tmRoot"/>
+        <p:cTn xmlns:p14="http://schemas.microsoft.com/office/powerpoint/2010/main" id="1" dur="indefinite" restart="never" nodeType="tmRoot"/>
       </p:par>
     </p:tnLst>
   </p:timing>
@@ -15070,7 +15070,7 @@
               <a:pPr>
                 <a:defRPr/>
               </a:pPr>
-              <a:t>5/2/2014</a:t>
+              <a:t>2014-05-05</a:t>
             </a:fld>
             <a:endParaRPr lang="en-US"/>
           </a:p>
@@ -15189,7 +15189,7 @@
   <p:timing>
     <p:tnLst>
       <p:par>
-        <p:cTn id="1" dur="indefinite" restart="never" nodeType="tmRoot"/>
+        <p:cTn xmlns:p14="http://schemas.microsoft.com/office/powerpoint/2010/main" id="1" dur="indefinite" restart="never" nodeType="tmRoot"/>
       </p:par>
     </p:tnLst>
   </p:timing>
@@ -15838,7 +15838,7 @@
               <a:pPr>
                 <a:defRPr/>
               </a:pPr>
-              <a:t>5/2/2014</a:t>
+              <a:t>2014-05-05</a:t>
             </a:fld>
             <a:endParaRPr lang="en-US"/>
           </a:p>
@@ -15957,7 +15957,7 @@
   <p:timing>
     <p:tnLst>
       <p:par>
-        <p:cTn id="1" dur="indefinite" restart="never" nodeType="tmRoot"/>
+        <p:cTn xmlns:p14="http://schemas.microsoft.com/office/powerpoint/2010/main" id="1" dur="indefinite" restart="never" nodeType="tmRoot"/>
       </p:par>
     </p:tnLst>
   </p:timing>
@@ -16606,7 +16606,7 @@
               <a:pPr>
                 <a:defRPr/>
               </a:pPr>
-              <a:t>5/2/2014</a:t>
+              <a:t>2014-05-05</a:t>
             </a:fld>
             <a:endParaRPr lang="en-US"/>
           </a:p>
@@ -16757,7 +16757,7 @@
   <p:timing>
     <p:tnLst>
       <p:par>
-        <p:cTn id="1" dur="indefinite" restart="never" nodeType="tmRoot"/>
+        <p:cTn xmlns:p14="http://schemas.microsoft.com/office/powerpoint/2010/main" id="1" dur="indefinite" restart="never" nodeType="tmRoot"/>
       </p:par>
     </p:tnLst>
   </p:timing>
@@ -17374,7 +17374,7 @@
               <a:pPr>
                 <a:defRPr/>
               </a:pPr>
-              <a:t>5/2/2014</a:t>
+              <a:t>2014-05-05</a:t>
             </a:fld>
             <a:endParaRPr lang="en-US"/>
           </a:p>
@@ -17493,7 +17493,7 @@
   <p:timing>
     <p:tnLst>
       <p:par>
-        <p:cTn id="1" dur="indefinite" restart="never" nodeType="tmRoot"/>
+        <p:cTn xmlns:p14="http://schemas.microsoft.com/office/powerpoint/2010/main" id="1" dur="indefinite" restart="never" nodeType="tmRoot"/>
       </p:par>
     </p:tnLst>
   </p:timing>
@@ -18110,7 +18110,7 @@
               <a:pPr>
                 <a:defRPr/>
               </a:pPr>
-              <a:t>5/2/2014</a:t>
+              <a:t>2014-05-05</a:t>
             </a:fld>
             <a:endParaRPr lang="en-US"/>
           </a:p>
@@ -18227,7 +18227,7 @@
   <p:timing>
     <p:tnLst>
       <p:par>
-        <p:cTn id="1" dur="indefinite" restart="never" nodeType="tmRoot"/>
+        <p:cTn xmlns:p14="http://schemas.microsoft.com/office/powerpoint/2010/main" id="1" dur="indefinite" restart="never" nodeType="tmRoot"/>
       </p:par>
     </p:tnLst>
   </p:timing>
@@ -19081,7 +19081,7 @@
   <p:timing>
     <p:tnLst>
       <p:par>
-        <p:cTn id="1" dur="indefinite" restart="never" nodeType="tmRoot"/>
+        <p:cTn xmlns:p14="http://schemas.microsoft.com/office/powerpoint/2010/main" id="1" dur="indefinite" restart="never" nodeType="tmRoot"/>
       </p:par>
     </p:tnLst>
   </p:timing>
@@ -19123,11 +19123,7 @@
             <a:pPr eaLnBrk="1" hangingPunct="1"/>
             <a:r>
               <a:rPr lang="sv-SE" dirty="0" smtClean="0"/>
-              <a:t>Scala – </a:t>
-            </a:r>
-            <a:r>
-              <a:rPr lang="sv-SE" dirty="0" smtClean="0"/>
-              <a:t>Övning 1 - </a:t>
+              <a:t>Scala – Övning 1 - </a:t>
             </a:r>
             <a:r>
               <a:rPr lang="sv-SE" dirty="0" err="1" smtClean="0"/>
@@ -20300,7 +20296,7 @@
   <p:timing>
     <p:tnLst>
       <p:par>
-        <p:cTn id="1" dur="indefinite" restart="never" nodeType="tmRoot"/>
+        <p:cTn xmlns:p14="http://schemas.microsoft.com/office/powerpoint/2010/main" id="1" dur="indefinite" restart="never" nodeType="tmRoot"/>
       </p:par>
     </p:tnLst>
   </p:timing>
@@ -21697,7 +21693,7 @@
   <p:timing>
     <p:tnLst>
       <p:par>
-        <p:cTn id="1" dur="indefinite" restart="never" nodeType="tmRoot"/>
+        <p:cTn xmlns:p14="http://schemas.microsoft.com/office/powerpoint/2010/main" id="1" dur="indefinite" restart="never" nodeType="tmRoot"/>
       </p:par>
     </p:tnLst>
   </p:timing>
@@ -23468,7 +23464,7 @@
   <p:timing>
     <p:tnLst>
       <p:par>
-        <p:cTn id="1" dur="indefinite" restart="never" nodeType="tmRoot"/>
+        <p:cTn xmlns:p14="http://schemas.microsoft.com/office/powerpoint/2010/main" id="1" dur="indefinite" restart="never" nodeType="tmRoot"/>
       </p:par>
     </p:tnLst>
   </p:timing>
@@ -25263,7 +25259,7 @@
   <p:timing>
     <p:tnLst>
       <p:par>
-        <p:cTn id="1" dur="indefinite" restart="never" nodeType="tmRoot"/>
+        <p:cTn xmlns:p14="http://schemas.microsoft.com/office/powerpoint/2010/main" id="1" dur="indefinite" restart="never" nodeType="tmRoot"/>
       </p:par>
     </p:tnLst>
   </p:timing>
@@ -25315,7 +25311,6 @@
               <a:rPr lang="sv-SE" dirty="0" smtClean="0"/>
               <a:t> supervision</a:t>
             </a:r>
-            <a:endParaRPr lang="sv-SE" dirty="0" smtClean="0"/>
           </a:p>
         </p:txBody>
       </p:sp>
@@ -26103,7 +26098,7 @@
   <p:timing>
     <p:tnLst>
       <p:par>
-        <p:cTn id="1" dur="indefinite" restart="never" nodeType="tmRoot"/>
+        <p:cTn xmlns:p14="http://schemas.microsoft.com/office/powerpoint/2010/main" id="1" dur="indefinite" restart="never" nodeType="tmRoot"/>
       </p:par>
     </p:tnLst>
   </p:timing>
@@ -26155,7 +26150,6 @@
               <a:rPr lang="sv-SE" dirty="0" smtClean="0"/>
               <a:t> supervision</a:t>
             </a:r>
-            <a:endParaRPr lang="sv-SE" dirty="0" smtClean="0"/>
           </a:p>
         </p:txBody>
       </p:sp>
@@ -27215,7 +27209,7 @@
   <p:timing>
     <p:tnLst>
       <p:par>
-        <p:cTn id="1" dur="indefinite" restart="never" nodeType="tmRoot">
+        <p:cTn xmlns:p14="http://schemas.microsoft.com/office/powerpoint/2010/main" id="1" dur="indefinite" restart="never" nodeType="tmRoot">
           <p:childTnLst>
             <p:seq concurrent="1" nextAc="seek">
               <p:cTn id="2" dur="indefinite" nodeType="mainSeq">
@@ -28746,7 +28740,7 @@
   <p:timing>
     <p:tnLst>
       <p:par>
-        <p:cTn id="1" dur="indefinite" restart="never" nodeType="tmRoot">
+        <p:cTn xmlns:p14="http://schemas.microsoft.com/office/powerpoint/2010/main" id="1" dur="indefinite" restart="never" nodeType="tmRoot">
           <p:childTnLst>
             <p:seq concurrent="1" nextAc="seek">
               <p:cTn id="2" dur="indefinite" nodeType="mainSeq">
@@ -30695,7 +30689,7 @@
   <p:timing>
     <p:tnLst>
       <p:par>
-        <p:cTn id="1" dur="indefinite" restart="never" nodeType="tmRoot"/>
+        <p:cTn xmlns:p14="http://schemas.microsoft.com/office/powerpoint/2010/main" id="1" dur="indefinite" restart="never" nodeType="tmRoot"/>
       </p:par>
     </p:tnLst>
   </p:timing>
@@ -32303,7 +32297,7 @@
   <p:timing>
     <p:tnLst>
       <p:par>
-        <p:cTn id="1" dur="indefinite" restart="never" nodeType="tmRoot"/>
+        <p:cTn xmlns:p14="http://schemas.microsoft.com/office/powerpoint/2010/main" id="1" dur="indefinite" restart="never" nodeType="tmRoot"/>
       </p:par>
     </p:tnLst>
   </p:timing>
@@ -32345,13 +32339,8 @@
             <a:pPr eaLnBrk="1" hangingPunct="1"/>
             <a:r>
               <a:rPr lang="sv-SE" dirty="0" smtClean="0"/>
-              <a:t>Scala – </a:t>
-            </a:r>
-            <a:r>
-              <a:rPr lang="sv-SE" dirty="0" smtClean="0"/>
-              <a:t>Mer om Akka</a:t>
-            </a:r>
-            <a:endParaRPr lang="sv-SE" dirty="0" smtClean="0"/>
+              <a:t>Scala – Mer om Akka</a:t>
+            </a:r>
           </a:p>
         </p:txBody>
       </p:sp>
@@ -32592,7 +32581,7 @@
   <p:timing>
     <p:tnLst>
       <p:par>
-        <p:cTn id="1" dur="indefinite" restart="never" nodeType="tmRoot"/>
+        <p:cTn xmlns:p14="http://schemas.microsoft.com/office/powerpoint/2010/main" id="1" dur="indefinite" restart="never" nodeType="tmRoot"/>
       </p:par>
     </p:tnLst>
   </p:timing>
@@ -32715,19 +32704,7 @@
             <a:pPr eaLnBrk="1" hangingPunct="1"/>
             <a:r>
               <a:rPr lang="sv-SE" dirty="0" smtClean="0"/>
-              <a:t>allt </a:t>
-            </a:r>
-            <a:r>
-              <a:rPr lang="sv-SE" dirty="0" smtClean="0"/>
-              <a:t>är </a:t>
-            </a:r>
-            <a:r>
-              <a:rPr lang="sv-SE" dirty="0" smtClean="0"/>
-              <a:t>objekt</a:t>
-            </a:r>
-            <a:r>
-              <a:rPr lang="sv-SE" dirty="0" smtClean="0"/>
-              <a:t>, inklusive funktioner och </a:t>
+              <a:t>allt är objekt, inklusive funktioner och </a:t>
             </a:r>
             <a:r>
               <a:rPr lang="sv-SE" dirty="0" err="1" smtClean="0"/>
@@ -32754,11 +32731,7 @@
             </a:r>
             <a:r>
               <a:rPr lang="sv-SE" dirty="0" smtClean="0"/>
-              <a:t> </a:t>
-            </a:r>
-            <a:r>
-              <a:rPr lang="sv-SE" dirty="0" smtClean="0"/>
-              <a:t>och </a:t>
+              <a:t> och </a:t>
             </a:r>
             <a:r>
               <a:rPr lang="sv-SE" dirty="0" err="1" smtClean="0"/>
@@ -32790,11 +32763,7 @@
             </a:r>
             <a:r>
               <a:rPr lang="sv-SE" dirty="0" smtClean="0"/>
-              <a:t> </a:t>
-            </a:r>
-            <a:r>
-              <a:rPr lang="sv-SE" dirty="0" smtClean="0"/>
-              <a:t>(invariant, </a:t>
+              <a:t> (invariant, </a:t>
             </a:r>
             <a:r>
               <a:rPr lang="sv-SE" dirty="0" err="1" smtClean="0"/>
@@ -32844,15 +32813,7 @@
             <a:pPr eaLnBrk="1" hangingPunct="1"/>
             <a:r>
               <a:rPr lang="sv-SE" dirty="0" smtClean="0"/>
-              <a:t>högre </a:t>
-            </a:r>
-            <a:r>
-              <a:rPr lang="sv-SE" dirty="0" smtClean="0"/>
-              <a:t>ordningens </a:t>
-            </a:r>
-            <a:r>
-              <a:rPr lang="sv-SE" dirty="0" smtClean="0"/>
-              <a:t>funktioner</a:t>
+              <a:t>högre ordningens funktioner</a:t>
             </a:r>
           </a:p>
           <a:p>
@@ -33001,13 +32962,8 @@
             </a:r>
             <a:r>
               <a:rPr lang="sv-SE" dirty="0" smtClean="0"/>
-              <a:t> </a:t>
-            </a:r>
-            <a:r>
-              <a:rPr lang="sv-SE" dirty="0" smtClean="0"/>
-              <a:t>programmering</a:t>
-            </a:r>
-            <a:endParaRPr lang="sv-SE" dirty="0" smtClean="0"/>
+              <a:t> programmering</a:t>
+            </a:r>
           </a:p>
           <a:p>
             <a:pPr eaLnBrk="1" hangingPunct="1"/>
@@ -33057,7 +33013,7 @@
   <p:timing>
     <p:tnLst>
       <p:par>
-        <p:cTn id="1" dur="indefinite" restart="never" nodeType="tmRoot"/>
+        <p:cTn xmlns:p14="http://schemas.microsoft.com/office/powerpoint/2010/main" id="1" dur="indefinite" restart="never" nodeType="tmRoot"/>
       </p:par>
     </p:tnLst>
   </p:timing>
@@ -33099,13 +33055,8 @@
             <a:pPr eaLnBrk="1" hangingPunct="1"/>
             <a:r>
               <a:rPr lang="sv-SE" dirty="0" smtClean="0"/>
-              <a:t>Scala – </a:t>
-            </a:r>
-            <a:r>
-              <a:rPr lang="sv-SE" dirty="0" smtClean="0"/>
-              <a:t>Övning 1, beräkna PI</a:t>
-            </a:r>
-            <a:endParaRPr lang="sv-SE" dirty="0" smtClean="0"/>
+              <a:t>Scala – Övning 1, beräkna PI</a:t>
+            </a:r>
           </a:p>
         </p:txBody>
       </p:sp>
@@ -33163,13 +33114,8 @@
             <a:pPr eaLnBrk="1" hangingPunct="1"/>
             <a:r>
               <a:rPr lang="sv-SE" sz="1600" dirty="0" smtClean="0"/>
-              <a:t>Vi ska försöka approximer</a:t>
-            </a:r>
-            <a:r>
-              <a:rPr lang="sv-SE" sz="1600" dirty="0" smtClean="0"/>
-              <a:t>a pi</a:t>
-            </a:r>
-            <a:endParaRPr lang="sv-SE" sz="1600" dirty="0" smtClean="0"/>
+              <a:t>Vi ska försöka approximera pi</a:t>
+            </a:r>
           </a:p>
           <a:p>
             <a:pPr eaLnBrk="1" hangingPunct="1"/>
@@ -33350,7 +33296,7 @@
   <p:timing>
     <p:tnLst>
       <p:par>
-        <p:cTn id="1" dur="indefinite" restart="never" nodeType="tmRoot"/>
+        <p:cTn xmlns:p14="http://schemas.microsoft.com/office/powerpoint/2010/main" id="1" dur="indefinite" restart="never" nodeType="tmRoot"/>
       </p:par>
     </p:tnLst>
   </p:timing>
@@ -33392,13 +33338,8 @@
             <a:pPr eaLnBrk="1" hangingPunct="1"/>
             <a:r>
               <a:rPr lang="sv-SE" dirty="0" smtClean="0"/>
-              <a:t>Scala – </a:t>
-            </a:r>
-            <a:r>
-              <a:rPr lang="sv-SE" dirty="0" smtClean="0"/>
-              <a:t>Övning 1, en möjlig implementation</a:t>
-            </a:r>
-            <a:endParaRPr lang="sv-SE" dirty="0" smtClean="0"/>
+              <a:t>Scala – Övning 1, en möjlig implementation</a:t>
+            </a:r>
           </a:p>
         </p:txBody>
       </p:sp>
@@ -33695,7 +33636,6 @@
               <a:rPr lang="sv-SE" dirty="0" smtClean="0"/>
               <a:t>kan vara:</a:t>
             </a:r>
-            <a:endParaRPr lang="sv-SE" dirty="0" smtClean="0"/>
           </a:p>
         </p:txBody>
       </p:sp>
@@ -34268,7 +34208,7 @@
   <p:timing>
     <p:tnLst>
       <p:par>
-        <p:cTn id="1" dur="indefinite" restart="never" nodeType="tmRoot"/>
+        <p:cTn xmlns:p14="http://schemas.microsoft.com/office/powerpoint/2010/main" id="1" dur="indefinite" restart="never" nodeType="tmRoot"/>
       </p:par>
     </p:tnLst>
   </p:timing>
@@ -36035,7 +35975,7 @@
   <p:timing>
     <p:tnLst>
       <p:par>
-        <p:cTn id="1" dur="indefinite" restart="never" nodeType="tmRoot"/>
+        <p:cTn xmlns:p14="http://schemas.microsoft.com/office/powerpoint/2010/main" id="1" dur="indefinite" restart="never" nodeType="tmRoot"/>
       </p:par>
     </p:tnLst>
   </p:timing>
@@ -37452,7 +37392,7 @@
   <p:timing>
     <p:tnLst>
       <p:par>
-        <p:cTn id="1" dur="indefinite" restart="never" nodeType="tmRoot"/>
+        <p:cTn xmlns:p14="http://schemas.microsoft.com/office/powerpoint/2010/main" id="1" dur="indefinite" restart="never" nodeType="tmRoot"/>
       </p:par>
     </p:tnLst>
   </p:timing>
@@ -37564,7 +37504,6 @@
               <a:rPr lang="sv-SE" dirty="0" smtClean="0"/>
               <a:t>)</a:t>
             </a:r>
-            <a:endParaRPr lang="sv-SE" dirty="0" smtClean="0"/>
           </a:p>
           <a:p>
             <a:pPr eaLnBrk="1" hangingPunct="1"/>
@@ -37620,11 +37559,7 @@
             </a:r>
             <a:r>
               <a:rPr lang="sv-SE" dirty="0" smtClean="0"/>
-              <a:t> </a:t>
-            </a:r>
-            <a:r>
-              <a:rPr lang="sv-SE" dirty="0" smtClean="0"/>
-              <a:t>och combinators</a:t>
+              <a:t> och combinators</a:t>
             </a:r>
           </a:p>
           <a:p>
@@ -37635,11 +37570,7 @@
             </a:r>
             <a:r>
               <a:rPr lang="sv-SE" dirty="0" smtClean="0"/>
-              <a:t> </a:t>
-            </a:r>
-            <a:r>
-              <a:rPr lang="sv-SE" dirty="0" smtClean="0"/>
-              <a:t>och </a:t>
+              <a:t> och </a:t>
             </a:r>
             <a:r>
               <a:rPr lang="sv-SE" dirty="0" err="1" smtClean="0"/>
@@ -37651,11 +37582,7 @@
             <a:pPr eaLnBrk="1" hangingPunct="1"/>
             <a:r>
               <a:rPr lang="sv-SE" dirty="0" smtClean="0"/>
-              <a:t>Scala </a:t>
-            </a:r>
-            <a:r>
-              <a:rPr lang="sv-SE" dirty="0" smtClean="0"/>
-              <a:t>testning, titta på </a:t>
+              <a:t>Scala testning, titta på </a:t>
             </a:r>
             <a:r>
               <a:rPr lang="sv-SE" dirty="0" err="1" smtClean="0"/>
@@ -37674,11 +37601,7 @@
             <a:pPr eaLnBrk="1" hangingPunct="1"/>
             <a:r>
               <a:rPr lang="sv-SE" dirty="0" smtClean="0"/>
-              <a:t>Style </a:t>
-            </a:r>
-            <a:r>
-              <a:rPr lang="sv-SE" dirty="0" smtClean="0"/>
-              <a:t>och praktiskt Scala</a:t>
+              <a:t>Style och praktiskt Scala</a:t>
             </a:r>
           </a:p>
           <a:p>
@@ -37691,7 +37614,6 @@
               <a:rPr lang="sv-SE" dirty="0" smtClean="0"/>
               <a:t>Annat om tid finns</a:t>
             </a:r>
-            <a:endParaRPr lang="sv-SE" dirty="0" smtClean="0"/>
           </a:p>
         </p:txBody>
       </p:sp>
@@ -37737,7 +37659,7 @@
   <p:timing>
     <p:tnLst>
       <p:par>
-        <p:cTn id="1" dur="indefinite" restart="never" nodeType="tmRoot"/>
+        <p:cTn xmlns:p14="http://schemas.microsoft.com/office/powerpoint/2010/main" id="1" dur="indefinite" restart="never" nodeType="tmRoot"/>
       </p:par>
     </p:tnLst>
   </p:timing>
@@ -37797,7 +37719,7 @@
         <p:spPr>
           <a:xfrm>
             <a:off x="395288" y="1341438"/>
-            <a:ext cx="8605837" cy="3995774"/>
+            <a:ext cx="8605837" cy="4679850"/>
           </a:xfrm>
         </p:spPr>
         <p:txBody>
@@ -37865,6 +37787,14 @@
             <a:pPr eaLnBrk="1" hangingPunct="1"/>
             <a:r>
               <a:rPr lang="sv-SE" dirty="0" smtClean="0"/>
+              <a:t>Kopiera C:\Scala\Setup\.Idea13C</a:t>
+            </a:r>
+            <a:endParaRPr lang="sv-SE" dirty="0" smtClean="0"/>
+          </a:p>
+          <a:p>
+            <a:pPr eaLnBrk="1" hangingPunct="1"/>
+            <a:r>
+              <a:rPr lang="sv-SE" dirty="0" smtClean="0"/>
               <a:t>Starta </a:t>
             </a:r>
             <a:r>
@@ -37881,11 +37811,7 @@
             </a:r>
             <a:r>
               <a:rPr lang="sv-SE" dirty="0" smtClean="0"/>
-              <a:t> </a:t>
-            </a:r>
-            <a:r>
-              <a:rPr lang="sv-SE" dirty="0" smtClean="0"/>
-              <a:t>new Scala </a:t>
+              <a:t> new Scala </a:t>
             </a:r>
             <a:r>
               <a:rPr lang="sv-SE" dirty="0" err="1" smtClean="0"/>
@@ -37906,7 +37832,6 @@
               <a:rPr lang="sv-SE" dirty="0" smtClean="0"/>
               <a:t>Java 1.8</a:t>
             </a:r>
-            <a:endParaRPr lang="sv-SE" dirty="0" smtClean="0"/>
           </a:p>
           <a:p>
             <a:pPr eaLnBrk="1" hangingPunct="1"/>
@@ -37920,19 +37845,7 @@
             </a:r>
             <a:r>
               <a:rPr lang="sv-SE" dirty="0" smtClean="0"/>
-              <a:t>, se till att </a:t>
-            </a:r>
-            <a:r>
-              <a:rPr lang="sv-SE" dirty="0" smtClean="0"/>
-              <a:t>HELA </a:t>
-            </a:r>
-            <a:r>
-              <a:rPr lang="sv-SE" dirty="0" smtClean="0"/>
-              <a:t>sökvägen </a:t>
-            </a:r>
-            <a:r>
-              <a:rPr lang="sv-SE" dirty="0" smtClean="0"/>
-              <a:t>(</a:t>
+              <a:t>, se till att HELA sökvägen (</a:t>
             </a:r>
             <a:r>
               <a:rPr lang="sv-SE" dirty="0" err="1" smtClean="0"/>
@@ -37964,11 +37877,11 @@
             </a:r>
             <a:r>
               <a:rPr lang="sv-SE" dirty="0"/>
-              <a:t>:\</a:t>
-            </a:r>
-            <a:r>
-              <a:rPr lang="sv-SE" dirty="0" smtClean="0"/>
-              <a:t>Projekt\</a:t>
+              <a:t>:</a:t>
+            </a:r>
+            <a:r>
+              <a:rPr lang="sv-SE" smtClean="0"/>
+              <a:t>\Scala\</a:t>
             </a:r>
             <a:r>
               <a:rPr lang="sv-SE" dirty="0" err="1" smtClean="0"/>
@@ -37978,7 +37891,6 @@
               <a:rPr lang="sv-SE" dirty="0" smtClean="0"/>
               <a:t>”</a:t>
             </a:r>
-            <a:endParaRPr lang="sv-SE" dirty="0" smtClean="0"/>
           </a:p>
           <a:p>
             <a:pPr eaLnBrk="1" hangingPunct="1"/>
@@ -38099,7 +38011,7 @@
   <p:timing>
     <p:tnLst>
       <p:par>
-        <p:cTn id="1" dur="indefinite" restart="never" nodeType="tmRoot"/>
+        <p:cTn xmlns:p14="http://schemas.microsoft.com/office/powerpoint/2010/main" id="1" dur="indefinite" restart="never" nodeType="tmRoot"/>
       </p:par>
     </p:tnLst>
   </p:timing>
@@ -39227,7 +39139,7 @@
   <p:timing>
     <p:tnLst>
       <p:par>
-        <p:cTn id="1" dur="indefinite" restart="never" nodeType="tmRoot"/>
+        <p:cTn xmlns:p14="http://schemas.microsoft.com/office/powerpoint/2010/main" id="1" dur="indefinite" restart="never" nodeType="tmRoot"/>
       </p:par>
     </p:tnLst>
   </p:timing>
@@ -39502,13 +39414,8 @@
             </a:r>
             <a:r>
               <a:rPr lang="sv-SE" sz="1600" dirty="0"/>
-              <a:t> –f </a:t>
-            </a:r>
-            <a:r>
-              <a:rPr lang="sv-SE" sz="1600" dirty="0"/>
-              <a:t>step2</a:t>
-            </a:r>
-            <a:endParaRPr lang="sv-SE" sz="1600" dirty="0"/>
+              <a:t> –f step2</a:t>
+            </a:r>
           </a:p>
           <a:p>
             <a:pPr marL="0" indent="0" eaLnBrk="1" hangingPunct="1">
@@ -40158,7 +40065,7 @@
   <p:timing>
     <p:tnLst>
       <p:par>
-        <p:cTn id="1" dur="indefinite" restart="never" nodeType="tmRoot"/>
+        <p:cTn xmlns:p14="http://schemas.microsoft.com/office/powerpoint/2010/main" id="1" dur="indefinite" restart="never" nodeType="tmRoot"/>
       </p:par>
     </p:tnLst>
   </p:timing>
@@ -41967,7 +41874,7 @@
   <p:timing>
     <p:tnLst>
       <p:par>
-        <p:cTn id="1" dur="indefinite" restart="never" nodeType="tmRoot"/>
+        <p:cTn xmlns:p14="http://schemas.microsoft.com/office/powerpoint/2010/main" id="1" dur="indefinite" restart="never" nodeType="tmRoot"/>
       </p:par>
     </p:tnLst>
   </p:timing>
@@ -42861,7 +42768,7 @@
   <p:timing>
     <p:tnLst>
       <p:par>
-        <p:cTn id="1" dur="indefinite" restart="never" nodeType="tmRoot"/>
+        <p:cTn xmlns:p14="http://schemas.microsoft.com/office/powerpoint/2010/main" id="1" dur="indefinite" restart="never" nodeType="tmRoot"/>
       </p:par>
     </p:tnLst>
   </p:timing>
@@ -44260,7 +44167,7 @@
   <p:timing>
     <p:tnLst>
       <p:par>
-        <p:cTn id="1" dur="indefinite" restart="never" nodeType="tmRoot"/>
+        <p:cTn xmlns:p14="http://schemas.microsoft.com/office/powerpoint/2010/main" id="1" dur="indefinite" restart="never" nodeType="tmRoot"/>
       </p:par>
     </p:tnLst>
   </p:timing>
